--- a/img/data-quality-pattern.pptx
+++ b/img/data-quality-pattern.pptx
@@ -134,7 +134,7 @@
           <p:cNvPr id="2" name="Title 1">
             <a:extLst>
               <a:ext uri="{FF2B5EF4-FFF2-40B4-BE49-F238E27FC236}">
-                <a16:creationId xmlns:a16="http://schemas.microsoft.com/office/drawing/2014/main" xmlns="" id="{6E35B93E-4153-E347-8CC4-38CE4D8056D4}"/>
+                <a16:creationId xmlns:a16="http://schemas.microsoft.com/office/drawing/2014/main" id="{6E35B93E-4153-E347-8CC4-38CE4D8056D4}"/>
               </a:ext>
             </a:extLst>
           </p:cNvPr>
@@ -172,7 +172,7 @@
           <p:cNvPr id="3" name="Subtitle 2">
             <a:extLst>
               <a:ext uri="{FF2B5EF4-FFF2-40B4-BE49-F238E27FC236}">
-                <a16:creationId xmlns:a16="http://schemas.microsoft.com/office/drawing/2014/main" xmlns="" id="{A759D0C6-83CE-D047-819F-16DD05E34795}"/>
+                <a16:creationId xmlns:a16="http://schemas.microsoft.com/office/drawing/2014/main" id="{A759D0C6-83CE-D047-819F-16DD05E34795}"/>
               </a:ext>
             </a:extLst>
           </p:cNvPr>
@@ -243,7 +243,7 @@
           <p:cNvPr id="4" name="Date Placeholder 3">
             <a:extLst>
               <a:ext uri="{FF2B5EF4-FFF2-40B4-BE49-F238E27FC236}">
-                <a16:creationId xmlns:a16="http://schemas.microsoft.com/office/drawing/2014/main" xmlns="" id="{23253C4E-5A26-F54C-AE58-F096D4F2DC72}"/>
+                <a16:creationId xmlns:a16="http://schemas.microsoft.com/office/drawing/2014/main" id="{23253C4E-5A26-F54C-AE58-F096D4F2DC72}"/>
               </a:ext>
             </a:extLst>
           </p:cNvPr>
@@ -261,9 +261,9 @@
           <a:p>
             <a:fld id="{8CFD15F7-6CA2-B94A-A9B1-464EA8F9B4DA}" type="datetimeFigureOut">
               <a:rPr lang="en-AU" smtClean="0"/>
-              <a:t>22/1/2018</a:t>
+              <a:t>22/1/18</a:t>
             </a:fld>
-            <a:endParaRPr lang="en-AU"/>
+            <a:endParaRPr lang="en-AU" dirty="0"/>
           </a:p>
         </p:txBody>
       </p:sp>
@@ -272,7 +272,7 @@
           <p:cNvPr id="5" name="Footer Placeholder 4">
             <a:extLst>
               <a:ext uri="{FF2B5EF4-FFF2-40B4-BE49-F238E27FC236}">
-                <a16:creationId xmlns:a16="http://schemas.microsoft.com/office/drawing/2014/main" xmlns="" id="{6F7E3167-3074-DD4E-9A8A-2C9E9B3B3773}"/>
+                <a16:creationId xmlns:a16="http://schemas.microsoft.com/office/drawing/2014/main" id="{6F7E3167-3074-DD4E-9A8A-2C9E9B3B3773}"/>
               </a:ext>
             </a:extLst>
           </p:cNvPr>
@@ -288,7 +288,7 @@
           <a:bodyPr/>
           <a:lstStyle/>
           <a:p>
-            <a:endParaRPr lang="en-AU"/>
+            <a:endParaRPr lang="en-AU" dirty="0"/>
           </a:p>
         </p:txBody>
       </p:sp>
@@ -297,7 +297,7 @@
           <p:cNvPr id="6" name="Slide Number Placeholder 5">
             <a:extLst>
               <a:ext uri="{FF2B5EF4-FFF2-40B4-BE49-F238E27FC236}">
-                <a16:creationId xmlns:a16="http://schemas.microsoft.com/office/drawing/2014/main" xmlns="" id="{B4E764D6-76BE-8D49-BB9D-CF72DA3CC1CE}"/>
+                <a16:creationId xmlns:a16="http://schemas.microsoft.com/office/drawing/2014/main" id="{B4E764D6-76BE-8D49-BB9D-CF72DA3CC1CE}"/>
               </a:ext>
             </a:extLst>
           </p:cNvPr>
@@ -317,7 +317,7 @@
               <a:rPr lang="en-AU" smtClean="0"/>
               <a:t>‹#›</a:t>
             </a:fld>
-            <a:endParaRPr lang="en-AU"/>
+            <a:endParaRPr lang="en-AU" dirty="0"/>
           </a:p>
         </p:txBody>
       </p:sp>
@@ -356,7 +356,7 @@
           <p:cNvPr id="2" name="Title 1">
             <a:extLst>
               <a:ext uri="{FF2B5EF4-FFF2-40B4-BE49-F238E27FC236}">
-                <a16:creationId xmlns:a16="http://schemas.microsoft.com/office/drawing/2014/main" xmlns="" id="{1875ABA4-141B-684A-A921-A1F772DC106E}"/>
+                <a16:creationId xmlns:a16="http://schemas.microsoft.com/office/drawing/2014/main" id="{1875ABA4-141B-684A-A921-A1F772DC106E}"/>
               </a:ext>
             </a:extLst>
           </p:cNvPr>
@@ -385,7 +385,7 @@
           <p:cNvPr id="3" name="Vertical Text Placeholder 2">
             <a:extLst>
               <a:ext uri="{FF2B5EF4-FFF2-40B4-BE49-F238E27FC236}">
-                <a16:creationId xmlns:a16="http://schemas.microsoft.com/office/drawing/2014/main" xmlns="" id="{68D2A82F-6D3A-8944-AD3D-902CD78FE2DB}"/>
+                <a16:creationId xmlns:a16="http://schemas.microsoft.com/office/drawing/2014/main" id="{68D2A82F-6D3A-8944-AD3D-902CD78FE2DB}"/>
               </a:ext>
             </a:extLst>
           </p:cNvPr>
@@ -443,7 +443,7 @@
           <p:cNvPr id="4" name="Date Placeholder 3">
             <a:extLst>
               <a:ext uri="{FF2B5EF4-FFF2-40B4-BE49-F238E27FC236}">
-                <a16:creationId xmlns:a16="http://schemas.microsoft.com/office/drawing/2014/main" xmlns="" id="{CD778B5C-0367-2E4B-B988-8788C3A30330}"/>
+                <a16:creationId xmlns:a16="http://schemas.microsoft.com/office/drawing/2014/main" id="{CD778B5C-0367-2E4B-B988-8788C3A30330}"/>
               </a:ext>
             </a:extLst>
           </p:cNvPr>
@@ -461,9 +461,9 @@
           <a:p>
             <a:fld id="{8CFD15F7-6CA2-B94A-A9B1-464EA8F9B4DA}" type="datetimeFigureOut">
               <a:rPr lang="en-AU" smtClean="0"/>
-              <a:t>22/1/2018</a:t>
+              <a:t>22/1/18</a:t>
             </a:fld>
-            <a:endParaRPr lang="en-AU"/>
+            <a:endParaRPr lang="en-AU" dirty="0"/>
           </a:p>
         </p:txBody>
       </p:sp>
@@ -472,7 +472,7 @@
           <p:cNvPr id="5" name="Footer Placeholder 4">
             <a:extLst>
               <a:ext uri="{FF2B5EF4-FFF2-40B4-BE49-F238E27FC236}">
-                <a16:creationId xmlns:a16="http://schemas.microsoft.com/office/drawing/2014/main" xmlns="" id="{1C8388CD-5528-604B-9295-86142FF570A2}"/>
+                <a16:creationId xmlns:a16="http://schemas.microsoft.com/office/drawing/2014/main" id="{1C8388CD-5528-604B-9295-86142FF570A2}"/>
               </a:ext>
             </a:extLst>
           </p:cNvPr>
@@ -488,7 +488,7 @@
           <a:bodyPr/>
           <a:lstStyle/>
           <a:p>
-            <a:endParaRPr lang="en-AU"/>
+            <a:endParaRPr lang="en-AU" dirty="0"/>
           </a:p>
         </p:txBody>
       </p:sp>
@@ -497,7 +497,7 @@
           <p:cNvPr id="6" name="Slide Number Placeholder 5">
             <a:extLst>
               <a:ext uri="{FF2B5EF4-FFF2-40B4-BE49-F238E27FC236}">
-                <a16:creationId xmlns:a16="http://schemas.microsoft.com/office/drawing/2014/main" xmlns="" id="{67259DE6-15E4-3A41-BFF3-C6A4A08E633F}"/>
+                <a16:creationId xmlns:a16="http://schemas.microsoft.com/office/drawing/2014/main" id="{67259DE6-15E4-3A41-BFF3-C6A4A08E633F}"/>
               </a:ext>
             </a:extLst>
           </p:cNvPr>
@@ -517,7 +517,7 @@
               <a:rPr lang="en-AU" smtClean="0"/>
               <a:t>‹#›</a:t>
             </a:fld>
-            <a:endParaRPr lang="en-AU"/>
+            <a:endParaRPr lang="en-AU" dirty="0"/>
           </a:p>
         </p:txBody>
       </p:sp>
@@ -556,7 +556,7 @@
           <p:cNvPr id="2" name="Vertical Title 1">
             <a:extLst>
               <a:ext uri="{FF2B5EF4-FFF2-40B4-BE49-F238E27FC236}">
-                <a16:creationId xmlns:a16="http://schemas.microsoft.com/office/drawing/2014/main" xmlns="" id="{A09CC3E5-B459-E444-8E5D-A23DA84E2A16}"/>
+                <a16:creationId xmlns:a16="http://schemas.microsoft.com/office/drawing/2014/main" id="{A09CC3E5-B459-E444-8E5D-A23DA84E2A16}"/>
               </a:ext>
             </a:extLst>
           </p:cNvPr>
@@ -590,7 +590,7 @@
           <p:cNvPr id="3" name="Vertical Text Placeholder 2">
             <a:extLst>
               <a:ext uri="{FF2B5EF4-FFF2-40B4-BE49-F238E27FC236}">
-                <a16:creationId xmlns:a16="http://schemas.microsoft.com/office/drawing/2014/main" xmlns="" id="{8985A8C7-DAB1-4B4C-B9A5-319B010D6E71}"/>
+                <a16:creationId xmlns:a16="http://schemas.microsoft.com/office/drawing/2014/main" id="{8985A8C7-DAB1-4B4C-B9A5-319B010D6E71}"/>
               </a:ext>
             </a:extLst>
           </p:cNvPr>
@@ -653,7 +653,7 @@
           <p:cNvPr id="4" name="Date Placeholder 3">
             <a:extLst>
               <a:ext uri="{FF2B5EF4-FFF2-40B4-BE49-F238E27FC236}">
-                <a16:creationId xmlns:a16="http://schemas.microsoft.com/office/drawing/2014/main" xmlns="" id="{9B2D1961-9612-9C4D-BF9B-91D82359EA5F}"/>
+                <a16:creationId xmlns:a16="http://schemas.microsoft.com/office/drawing/2014/main" id="{9B2D1961-9612-9C4D-BF9B-91D82359EA5F}"/>
               </a:ext>
             </a:extLst>
           </p:cNvPr>
@@ -671,9 +671,9 @@
           <a:p>
             <a:fld id="{8CFD15F7-6CA2-B94A-A9B1-464EA8F9B4DA}" type="datetimeFigureOut">
               <a:rPr lang="en-AU" smtClean="0"/>
-              <a:t>22/1/2018</a:t>
+              <a:t>22/1/18</a:t>
             </a:fld>
-            <a:endParaRPr lang="en-AU"/>
+            <a:endParaRPr lang="en-AU" dirty="0"/>
           </a:p>
         </p:txBody>
       </p:sp>
@@ -682,7 +682,7 @@
           <p:cNvPr id="5" name="Footer Placeholder 4">
             <a:extLst>
               <a:ext uri="{FF2B5EF4-FFF2-40B4-BE49-F238E27FC236}">
-                <a16:creationId xmlns:a16="http://schemas.microsoft.com/office/drawing/2014/main" xmlns="" id="{001647DC-DF7C-6B41-91C7-88DAE1F22E93}"/>
+                <a16:creationId xmlns:a16="http://schemas.microsoft.com/office/drawing/2014/main" id="{001647DC-DF7C-6B41-91C7-88DAE1F22E93}"/>
               </a:ext>
             </a:extLst>
           </p:cNvPr>
@@ -698,7 +698,7 @@
           <a:bodyPr/>
           <a:lstStyle/>
           <a:p>
-            <a:endParaRPr lang="en-AU"/>
+            <a:endParaRPr lang="en-AU" dirty="0"/>
           </a:p>
         </p:txBody>
       </p:sp>
@@ -707,7 +707,7 @@
           <p:cNvPr id="6" name="Slide Number Placeholder 5">
             <a:extLst>
               <a:ext uri="{FF2B5EF4-FFF2-40B4-BE49-F238E27FC236}">
-                <a16:creationId xmlns:a16="http://schemas.microsoft.com/office/drawing/2014/main" xmlns="" id="{0F00CDA8-DD92-3544-B2F1-B4B4D859A027}"/>
+                <a16:creationId xmlns:a16="http://schemas.microsoft.com/office/drawing/2014/main" id="{0F00CDA8-DD92-3544-B2F1-B4B4D859A027}"/>
               </a:ext>
             </a:extLst>
           </p:cNvPr>
@@ -727,7 +727,7 @@
               <a:rPr lang="en-AU" smtClean="0"/>
               <a:t>‹#›</a:t>
             </a:fld>
-            <a:endParaRPr lang="en-AU"/>
+            <a:endParaRPr lang="en-AU" dirty="0"/>
           </a:p>
         </p:txBody>
       </p:sp>
@@ -766,7 +766,7 @@
           <p:cNvPr id="2" name="Title 1">
             <a:extLst>
               <a:ext uri="{FF2B5EF4-FFF2-40B4-BE49-F238E27FC236}">
-                <a16:creationId xmlns:a16="http://schemas.microsoft.com/office/drawing/2014/main" xmlns="" id="{F41CDE31-8235-5D45-9321-AF7C60151877}"/>
+                <a16:creationId xmlns:a16="http://schemas.microsoft.com/office/drawing/2014/main" id="{F41CDE31-8235-5D45-9321-AF7C60151877}"/>
               </a:ext>
             </a:extLst>
           </p:cNvPr>
@@ -795,7 +795,7 @@
           <p:cNvPr id="3" name="Content Placeholder 2">
             <a:extLst>
               <a:ext uri="{FF2B5EF4-FFF2-40B4-BE49-F238E27FC236}">
-                <a16:creationId xmlns:a16="http://schemas.microsoft.com/office/drawing/2014/main" xmlns="" id="{38AAE63F-D89B-7B4C-80A4-115E9E41D875}"/>
+                <a16:creationId xmlns:a16="http://schemas.microsoft.com/office/drawing/2014/main" id="{38AAE63F-D89B-7B4C-80A4-115E9E41D875}"/>
               </a:ext>
             </a:extLst>
           </p:cNvPr>
@@ -853,7 +853,7 @@
           <p:cNvPr id="4" name="Date Placeholder 3">
             <a:extLst>
               <a:ext uri="{FF2B5EF4-FFF2-40B4-BE49-F238E27FC236}">
-                <a16:creationId xmlns:a16="http://schemas.microsoft.com/office/drawing/2014/main" xmlns="" id="{1CDBAE1A-D939-004B-A182-AFB3A9E3CB17}"/>
+                <a16:creationId xmlns:a16="http://schemas.microsoft.com/office/drawing/2014/main" id="{1CDBAE1A-D939-004B-A182-AFB3A9E3CB17}"/>
               </a:ext>
             </a:extLst>
           </p:cNvPr>
@@ -871,9 +871,9 @@
           <a:p>
             <a:fld id="{8CFD15F7-6CA2-B94A-A9B1-464EA8F9B4DA}" type="datetimeFigureOut">
               <a:rPr lang="en-AU" smtClean="0"/>
-              <a:t>22/1/2018</a:t>
+              <a:t>22/1/18</a:t>
             </a:fld>
-            <a:endParaRPr lang="en-AU"/>
+            <a:endParaRPr lang="en-AU" dirty="0"/>
           </a:p>
         </p:txBody>
       </p:sp>
@@ -882,7 +882,7 @@
           <p:cNvPr id="5" name="Footer Placeholder 4">
             <a:extLst>
               <a:ext uri="{FF2B5EF4-FFF2-40B4-BE49-F238E27FC236}">
-                <a16:creationId xmlns:a16="http://schemas.microsoft.com/office/drawing/2014/main" xmlns="" id="{ED42A42F-8D9A-1243-AB41-811FBFBE85B1}"/>
+                <a16:creationId xmlns:a16="http://schemas.microsoft.com/office/drawing/2014/main" id="{ED42A42F-8D9A-1243-AB41-811FBFBE85B1}"/>
               </a:ext>
             </a:extLst>
           </p:cNvPr>
@@ -898,7 +898,7 @@
           <a:bodyPr/>
           <a:lstStyle/>
           <a:p>
-            <a:endParaRPr lang="en-AU"/>
+            <a:endParaRPr lang="en-AU" dirty="0"/>
           </a:p>
         </p:txBody>
       </p:sp>
@@ -907,7 +907,7 @@
           <p:cNvPr id="6" name="Slide Number Placeholder 5">
             <a:extLst>
               <a:ext uri="{FF2B5EF4-FFF2-40B4-BE49-F238E27FC236}">
-                <a16:creationId xmlns:a16="http://schemas.microsoft.com/office/drawing/2014/main" xmlns="" id="{C1EDDE49-4846-5245-AAD4-BAFD3B4FF281}"/>
+                <a16:creationId xmlns:a16="http://schemas.microsoft.com/office/drawing/2014/main" id="{C1EDDE49-4846-5245-AAD4-BAFD3B4FF281}"/>
               </a:ext>
             </a:extLst>
           </p:cNvPr>
@@ -927,7 +927,7 @@
               <a:rPr lang="en-AU" smtClean="0"/>
               <a:t>‹#›</a:t>
             </a:fld>
-            <a:endParaRPr lang="en-AU"/>
+            <a:endParaRPr lang="en-AU" dirty="0"/>
           </a:p>
         </p:txBody>
       </p:sp>
@@ -966,7 +966,7 @@
           <p:cNvPr id="2" name="Title 1">
             <a:extLst>
               <a:ext uri="{FF2B5EF4-FFF2-40B4-BE49-F238E27FC236}">
-                <a16:creationId xmlns:a16="http://schemas.microsoft.com/office/drawing/2014/main" xmlns="" id="{56F0D570-9932-4545-B645-B0CBB79C2C47}"/>
+                <a16:creationId xmlns:a16="http://schemas.microsoft.com/office/drawing/2014/main" id="{56F0D570-9932-4545-B645-B0CBB79C2C47}"/>
               </a:ext>
             </a:extLst>
           </p:cNvPr>
@@ -1004,7 +1004,7 @@
           <p:cNvPr id="3" name="Text Placeholder 2">
             <a:extLst>
               <a:ext uri="{FF2B5EF4-FFF2-40B4-BE49-F238E27FC236}">
-                <a16:creationId xmlns:a16="http://schemas.microsoft.com/office/drawing/2014/main" xmlns="" id="{394FDF98-211E-224E-AB4D-CEE683791B5C}"/>
+                <a16:creationId xmlns:a16="http://schemas.microsoft.com/office/drawing/2014/main" id="{394FDF98-211E-224E-AB4D-CEE683791B5C}"/>
               </a:ext>
             </a:extLst>
           </p:cNvPr>
@@ -1129,7 +1129,7 @@
           <p:cNvPr id="4" name="Date Placeholder 3">
             <a:extLst>
               <a:ext uri="{FF2B5EF4-FFF2-40B4-BE49-F238E27FC236}">
-                <a16:creationId xmlns:a16="http://schemas.microsoft.com/office/drawing/2014/main" xmlns="" id="{DB053FF5-EFF1-EA4E-A1D4-A64742E0348E}"/>
+                <a16:creationId xmlns:a16="http://schemas.microsoft.com/office/drawing/2014/main" id="{DB053FF5-EFF1-EA4E-A1D4-A64742E0348E}"/>
               </a:ext>
             </a:extLst>
           </p:cNvPr>
@@ -1147,9 +1147,9 @@
           <a:p>
             <a:fld id="{8CFD15F7-6CA2-B94A-A9B1-464EA8F9B4DA}" type="datetimeFigureOut">
               <a:rPr lang="en-AU" smtClean="0"/>
-              <a:t>22/1/2018</a:t>
+              <a:t>22/1/18</a:t>
             </a:fld>
-            <a:endParaRPr lang="en-AU"/>
+            <a:endParaRPr lang="en-AU" dirty="0"/>
           </a:p>
         </p:txBody>
       </p:sp>
@@ -1158,7 +1158,7 @@
           <p:cNvPr id="5" name="Footer Placeholder 4">
             <a:extLst>
               <a:ext uri="{FF2B5EF4-FFF2-40B4-BE49-F238E27FC236}">
-                <a16:creationId xmlns:a16="http://schemas.microsoft.com/office/drawing/2014/main" xmlns="" id="{58A8BF21-334E-5B4B-B6E0-CEAA78B68586}"/>
+                <a16:creationId xmlns:a16="http://schemas.microsoft.com/office/drawing/2014/main" id="{58A8BF21-334E-5B4B-B6E0-CEAA78B68586}"/>
               </a:ext>
             </a:extLst>
           </p:cNvPr>
@@ -1174,7 +1174,7 @@
           <a:bodyPr/>
           <a:lstStyle/>
           <a:p>
-            <a:endParaRPr lang="en-AU"/>
+            <a:endParaRPr lang="en-AU" dirty="0"/>
           </a:p>
         </p:txBody>
       </p:sp>
@@ -1183,7 +1183,7 @@
           <p:cNvPr id="6" name="Slide Number Placeholder 5">
             <a:extLst>
               <a:ext uri="{FF2B5EF4-FFF2-40B4-BE49-F238E27FC236}">
-                <a16:creationId xmlns:a16="http://schemas.microsoft.com/office/drawing/2014/main" xmlns="" id="{649F025F-E2ED-9F44-9C54-DD79A51F3DD3}"/>
+                <a16:creationId xmlns:a16="http://schemas.microsoft.com/office/drawing/2014/main" id="{649F025F-E2ED-9F44-9C54-DD79A51F3DD3}"/>
               </a:ext>
             </a:extLst>
           </p:cNvPr>
@@ -1203,7 +1203,7 @@
               <a:rPr lang="en-AU" smtClean="0"/>
               <a:t>‹#›</a:t>
             </a:fld>
-            <a:endParaRPr lang="en-AU"/>
+            <a:endParaRPr lang="en-AU" dirty="0"/>
           </a:p>
         </p:txBody>
       </p:sp>
@@ -1242,7 +1242,7 @@
           <p:cNvPr id="2" name="Title 1">
             <a:extLst>
               <a:ext uri="{FF2B5EF4-FFF2-40B4-BE49-F238E27FC236}">
-                <a16:creationId xmlns:a16="http://schemas.microsoft.com/office/drawing/2014/main" xmlns="" id="{61E0F85C-BBDD-C14A-8316-656E7C6AF656}"/>
+                <a16:creationId xmlns:a16="http://schemas.microsoft.com/office/drawing/2014/main" id="{61E0F85C-BBDD-C14A-8316-656E7C6AF656}"/>
               </a:ext>
             </a:extLst>
           </p:cNvPr>
@@ -1271,7 +1271,7 @@
           <p:cNvPr id="3" name="Content Placeholder 2">
             <a:extLst>
               <a:ext uri="{FF2B5EF4-FFF2-40B4-BE49-F238E27FC236}">
-                <a16:creationId xmlns:a16="http://schemas.microsoft.com/office/drawing/2014/main" xmlns="" id="{138643FC-4001-4C42-9E5B-25E8D4E34349}"/>
+                <a16:creationId xmlns:a16="http://schemas.microsoft.com/office/drawing/2014/main" id="{138643FC-4001-4C42-9E5B-25E8D4E34349}"/>
               </a:ext>
             </a:extLst>
           </p:cNvPr>
@@ -1334,7 +1334,7 @@
           <p:cNvPr id="4" name="Content Placeholder 3">
             <a:extLst>
               <a:ext uri="{FF2B5EF4-FFF2-40B4-BE49-F238E27FC236}">
-                <a16:creationId xmlns:a16="http://schemas.microsoft.com/office/drawing/2014/main" xmlns="" id="{74E9E3A0-0181-9F40-BA3C-E99302AF6D0A}"/>
+                <a16:creationId xmlns:a16="http://schemas.microsoft.com/office/drawing/2014/main" id="{74E9E3A0-0181-9F40-BA3C-E99302AF6D0A}"/>
               </a:ext>
             </a:extLst>
           </p:cNvPr>
@@ -1397,7 +1397,7 @@
           <p:cNvPr id="5" name="Date Placeholder 4">
             <a:extLst>
               <a:ext uri="{FF2B5EF4-FFF2-40B4-BE49-F238E27FC236}">
-                <a16:creationId xmlns:a16="http://schemas.microsoft.com/office/drawing/2014/main" xmlns="" id="{274CCF5F-CFE1-464E-ABCD-8ADD20803114}"/>
+                <a16:creationId xmlns:a16="http://schemas.microsoft.com/office/drawing/2014/main" id="{274CCF5F-CFE1-464E-ABCD-8ADD20803114}"/>
               </a:ext>
             </a:extLst>
           </p:cNvPr>
@@ -1415,9 +1415,9 @@
           <a:p>
             <a:fld id="{8CFD15F7-6CA2-B94A-A9B1-464EA8F9B4DA}" type="datetimeFigureOut">
               <a:rPr lang="en-AU" smtClean="0"/>
-              <a:t>22/1/2018</a:t>
+              <a:t>22/1/18</a:t>
             </a:fld>
-            <a:endParaRPr lang="en-AU"/>
+            <a:endParaRPr lang="en-AU" dirty="0"/>
           </a:p>
         </p:txBody>
       </p:sp>
@@ -1426,7 +1426,7 @@
           <p:cNvPr id="6" name="Footer Placeholder 5">
             <a:extLst>
               <a:ext uri="{FF2B5EF4-FFF2-40B4-BE49-F238E27FC236}">
-                <a16:creationId xmlns:a16="http://schemas.microsoft.com/office/drawing/2014/main" xmlns="" id="{3E99B1C7-A749-394A-85EB-20E7EB407D5F}"/>
+                <a16:creationId xmlns:a16="http://schemas.microsoft.com/office/drawing/2014/main" id="{3E99B1C7-A749-394A-85EB-20E7EB407D5F}"/>
               </a:ext>
             </a:extLst>
           </p:cNvPr>
@@ -1442,7 +1442,7 @@
           <a:bodyPr/>
           <a:lstStyle/>
           <a:p>
-            <a:endParaRPr lang="en-AU"/>
+            <a:endParaRPr lang="en-AU" dirty="0"/>
           </a:p>
         </p:txBody>
       </p:sp>
@@ -1451,7 +1451,7 @@
           <p:cNvPr id="7" name="Slide Number Placeholder 6">
             <a:extLst>
               <a:ext uri="{FF2B5EF4-FFF2-40B4-BE49-F238E27FC236}">
-                <a16:creationId xmlns:a16="http://schemas.microsoft.com/office/drawing/2014/main" xmlns="" id="{A9CD80B7-4AF0-954A-8A40-A4A1BC389E1D}"/>
+                <a16:creationId xmlns:a16="http://schemas.microsoft.com/office/drawing/2014/main" id="{A9CD80B7-4AF0-954A-8A40-A4A1BC389E1D}"/>
               </a:ext>
             </a:extLst>
           </p:cNvPr>
@@ -1471,7 +1471,7 @@
               <a:rPr lang="en-AU" smtClean="0"/>
               <a:t>‹#›</a:t>
             </a:fld>
-            <a:endParaRPr lang="en-AU"/>
+            <a:endParaRPr lang="en-AU" dirty="0"/>
           </a:p>
         </p:txBody>
       </p:sp>
@@ -1510,7 +1510,7 @@
           <p:cNvPr id="2" name="Title 1">
             <a:extLst>
               <a:ext uri="{FF2B5EF4-FFF2-40B4-BE49-F238E27FC236}">
-                <a16:creationId xmlns:a16="http://schemas.microsoft.com/office/drawing/2014/main" xmlns="" id="{7B4A3937-C641-AA4D-8DF9-20D80C1DDB56}"/>
+                <a16:creationId xmlns:a16="http://schemas.microsoft.com/office/drawing/2014/main" id="{7B4A3937-C641-AA4D-8DF9-20D80C1DDB56}"/>
               </a:ext>
             </a:extLst>
           </p:cNvPr>
@@ -1544,7 +1544,7 @@
           <p:cNvPr id="3" name="Text Placeholder 2">
             <a:extLst>
               <a:ext uri="{FF2B5EF4-FFF2-40B4-BE49-F238E27FC236}">
-                <a16:creationId xmlns:a16="http://schemas.microsoft.com/office/drawing/2014/main" xmlns="" id="{6D5540BA-D67A-9042-BBAC-F12B6B61C9FB}"/>
+                <a16:creationId xmlns:a16="http://schemas.microsoft.com/office/drawing/2014/main" id="{6D5540BA-D67A-9042-BBAC-F12B6B61C9FB}"/>
               </a:ext>
             </a:extLst>
           </p:cNvPr>
@@ -1615,7 +1615,7 @@
           <p:cNvPr id="4" name="Content Placeholder 3">
             <a:extLst>
               <a:ext uri="{FF2B5EF4-FFF2-40B4-BE49-F238E27FC236}">
-                <a16:creationId xmlns:a16="http://schemas.microsoft.com/office/drawing/2014/main" xmlns="" id="{0345B3D2-9A31-D047-AD0F-C15D1C55C0A5}"/>
+                <a16:creationId xmlns:a16="http://schemas.microsoft.com/office/drawing/2014/main" id="{0345B3D2-9A31-D047-AD0F-C15D1C55C0A5}"/>
               </a:ext>
             </a:extLst>
           </p:cNvPr>
@@ -1678,7 +1678,7 @@
           <p:cNvPr id="5" name="Text Placeholder 4">
             <a:extLst>
               <a:ext uri="{FF2B5EF4-FFF2-40B4-BE49-F238E27FC236}">
-                <a16:creationId xmlns:a16="http://schemas.microsoft.com/office/drawing/2014/main" xmlns="" id="{4B0D4945-0363-F647-BA95-DAAD142984A6}"/>
+                <a16:creationId xmlns:a16="http://schemas.microsoft.com/office/drawing/2014/main" id="{4B0D4945-0363-F647-BA95-DAAD142984A6}"/>
               </a:ext>
             </a:extLst>
           </p:cNvPr>
@@ -1749,7 +1749,7 @@
           <p:cNvPr id="6" name="Content Placeholder 5">
             <a:extLst>
               <a:ext uri="{FF2B5EF4-FFF2-40B4-BE49-F238E27FC236}">
-                <a16:creationId xmlns:a16="http://schemas.microsoft.com/office/drawing/2014/main" xmlns="" id="{5D89CC30-07B3-BA42-AAAD-D0123F47E460}"/>
+                <a16:creationId xmlns:a16="http://schemas.microsoft.com/office/drawing/2014/main" id="{5D89CC30-07B3-BA42-AAAD-D0123F47E460}"/>
               </a:ext>
             </a:extLst>
           </p:cNvPr>
@@ -1812,7 +1812,7 @@
           <p:cNvPr id="7" name="Date Placeholder 6">
             <a:extLst>
               <a:ext uri="{FF2B5EF4-FFF2-40B4-BE49-F238E27FC236}">
-                <a16:creationId xmlns:a16="http://schemas.microsoft.com/office/drawing/2014/main" xmlns="" id="{46DEE8E4-C743-6443-AB00-6CA555AA9AC0}"/>
+                <a16:creationId xmlns:a16="http://schemas.microsoft.com/office/drawing/2014/main" id="{46DEE8E4-C743-6443-AB00-6CA555AA9AC0}"/>
               </a:ext>
             </a:extLst>
           </p:cNvPr>
@@ -1830,9 +1830,9 @@
           <a:p>
             <a:fld id="{8CFD15F7-6CA2-B94A-A9B1-464EA8F9B4DA}" type="datetimeFigureOut">
               <a:rPr lang="en-AU" smtClean="0"/>
-              <a:t>22/1/2018</a:t>
+              <a:t>22/1/18</a:t>
             </a:fld>
-            <a:endParaRPr lang="en-AU"/>
+            <a:endParaRPr lang="en-AU" dirty="0"/>
           </a:p>
         </p:txBody>
       </p:sp>
@@ -1841,7 +1841,7 @@
           <p:cNvPr id="8" name="Footer Placeholder 7">
             <a:extLst>
               <a:ext uri="{FF2B5EF4-FFF2-40B4-BE49-F238E27FC236}">
-                <a16:creationId xmlns:a16="http://schemas.microsoft.com/office/drawing/2014/main" xmlns="" id="{123D4F3C-7A13-C747-8411-AF0D1A68BBEA}"/>
+                <a16:creationId xmlns:a16="http://schemas.microsoft.com/office/drawing/2014/main" id="{123D4F3C-7A13-C747-8411-AF0D1A68BBEA}"/>
               </a:ext>
             </a:extLst>
           </p:cNvPr>
@@ -1857,7 +1857,7 @@
           <a:bodyPr/>
           <a:lstStyle/>
           <a:p>
-            <a:endParaRPr lang="en-AU"/>
+            <a:endParaRPr lang="en-AU" dirty="0"/>
           </a:p>
         </p:txBody>
       </p:sp>
@@ -1866,7 +1866,7 @@
           <p:cNvPr id="9" name="Slide Number Placeholder 8">
             <a:extLst>
               <a:ext uri="{FF2B5EF4-FFF2-40B4-BE49-F238E27FC236}">
-                <a16:creationId xmlns:a16="http://schemas.microsoft.com/office/drawing/2014/main" xmlns="" id="{2A847090-8F57-8847-A281-A67712319674}"/>
+                <a16:creationId xmlns:a16="http://schemas.microsoft.com/office/drawing/2014/main" id="{2A847090-8F57-8847-A281-A67712319674}"/>
               </a:ext>
             </a:extLst>
           </p:cNvPr>
@@ -1886,7 +1886,7 @@
               <a:rPr lang="en-AU" smtClean="0"/>
               <a:t>‹#›</a:t>
             </a:fld>
-            <a:endParaRPr lang="en-AU"/>
+            <a:endParaRPr lang="en-AU" dirty="0"/>
           </a:p>
         </p:txBody>
       </p:sp>
@@ -1925,7 +1925,7 @@
           <p:cNvPr id="2" name="Title 1">
             <a:extLst>
               <a:ext uri="{FF2B5EF4-FFF2-40B4-BE49-F238E27FC236}">
-                <a16:creationId xmlns:a16="http://schemas.microsoft.com/office/drawing/2014/main" xmlns="" id="{6A645F2F-E692-FD4A-A53C-C06B05F4CDD7}"/>
+                <a16:creationId xmlns:a16="http://schemas.microsoft.com/office/drawing/2014/main" id="{6A645F2F-E692-FD4A-A53C-C06B05F4CDD7}"/>
               </a:ext>
             </a:extLst>
           </p:cNvPr>
@@ -1954,7 +1954,7 @@
           <p:cNvPr id="3" name="Date Placeholder 2">
             <a:extLst>
               <a:ext uri="{FF2B5EF4-FFF2-40B4-BE49-F238E27FC236}">
-                <a16:creationId xmlns:a16="http://schemas.microsoft.com/office/drawing/2014/main" xmlns="" id="{76AECA73-5CEB-1447-AB73-1B9CB16F427E}"/>
+                <a16:creationId xmlns:a16="http://schemas.microsoft.com/office/drawing/2014/main" id="{76AECA73-5CEB-1447-AB73-1B9CB16F427E}"/>
               </a:ext>
             </a:extLst>
           </p:cNvPr>
@@ -1972,9 +1972,9 @@
           <a:p>
             <a:fld id="{8CFD15F7-6CA2-B94A-A9B1-464EA8F9B4DA}" type="datetimeFigureOut">
               <a:rPr lang="en-AU" smtClean="0"/>
-              <a:t>22/1/2018</a:t>
+              <a:t>22/1/18</a:t>
             </a:fld>
-            <a:endParaRPr lang="en-AU"/>
+            <a:endParaRPr lang="en-AU" dirty="0"/>
           </a:p>
         </p:txBody>
       </p:sp>
@@ -1983,7 +1983,7 @@
           <p:cNvPr id="4" name="Footer Placeholder 3">
             <a:extLst>
               <a:ext uri="{FF2B5EF4-FFF2-40B4-BE49-F238E27FC236}">
-                <a16:creationId xmlns:a16="http://schemas.microsoft.com/office/drawing/2014/main" xmlns="" id="{0A231414-10B5-7149-A647-AB4E26F254BA}"/>
+                <a16:creationId xmlns:a16="http://schemas.microsoft.com/office/drawing/2014/main" id="{0A231414-10B5-7149-A647-AB4E26F254BA}"/>
               </a:ext>
             </a:extLst>
           </p:cNvPr>
@@ -1999,7 +1999,7 @@
           <a:bodyPr/>
           <a:lstStyle/>
           <a:p>
-            <a:endParaRPr lang="en-AU"/>
+            <a:endParaRPr lang="en-AU" dirty="0"/>
           </a:p>
         </p:txBody>
       </p:sp>
@@ -2008,7 +2008,7 @@
           <p:cNvPr id="5" name="Slide Number Placeholder 4">
             <a:extLst>
               <a:ext uri="{FF2B5EF4-FFF2-40B4-BE49-F238E27FC236}">
-                <a16:creationId xmlns:a16="http://schemas.microsoft.com/office/drawing/2014/main" xmlns="" id="{3D109A74-D20B-2E43-8696-B7DB10DB3C75}"/>
+                <a16:creationId xmlns:a16="http://schemas.microsoft.com/office/drawing/2014/main" id="{3D109A74-D20B-2E43-8696-B7DB10DB3C75}"/>
               </a:ext>
             </a:extLst>
           </p:cNvPr>
@@ -2028,7 +2028,7 @@
               <a:rPr lang="en-AU" smtClean="0"/>
               <a:t>‹#›</a:t>
             </a:fld>
-            <a:endParaRPr lang="en-AU"/>
+            <a:endParaRPr lang="en-AU" dirty="0"/>
           </a:p>
         </p:txBody>
       </p:sp>
@@ -2067,7 +2067,7 @@
           <p:cNvPr id="2" name="Date Placeholder 1">
             <a:extLst>
               <a:ext uri="{FF2B5EF4-FFF2-40B4-BE49-F238E27FC236}">
-                <a16:creationId xmlns:a16="http://schemas.microsoft.com/office/drawing/2014/main" xmlns="" id="{13AB345C-0DF7-174C-AFF0-4F8B58F1A2C0}"/>
+                <a16:creationId xmlns:a16="http://schemas.microsoft.com/office/drawing/2014/main" id="{13AB345C-0DF7-174C-AFF0-4F8B58F1A2C0}"/>
               </a:ext>
             </a:extLst>
           </p:cNvPr>
@@ -2085,9 +2085,9 @@
           <a:p>
             <a:fld id="{8CFD15F7-6CA2-B94A-A9B1-464EA8F9B4DA}" type="datetimeFigureOut">
               <a:rPr lang="en-AU" smtClean="0"/>
-              <a:t>22/1/2018</a:t>
+              <a:t>22/1/18</a:t>
             </a:fld>
-            <a:endParaRPr lang="en-AU"/>
+            <a:endParaRPr lang="en-AU" dirty="0"/>
           </a:p>
         </p:txBody>
       </p:sp>
@@ -2096,7 +2096,7 @@
           <p:cNvPr id="3" name="Footer Placeholder 2">
             <a:extLst>
               <a:ext uri="{FF2B5EF4-FFF2-40B4-BE49-F238E27FC236}">
-                <a16:creationId xmlns:a16="http://schemas.microsoft.com/office/drawing/2014/main" xmlns="" id="{90C68C17-B93F-2047-BE79-71B3D574DAA3}"/>
+                <a16:creationId xmlns:a16="http://schemas.microsoft.com/office/drawing/2014/main" id="{90C68C17-B93F-2047-BE79-71B3D574DAA3}"/>
               </a:ext>
             </a:extLst>
           </p:cNvPr>
@@ -2112,7 +2112,7 @@
           <a:bodyPr/>
           <a:lstStyle/>
           <a:p>
-            <a:endParaRPr lang="en-AU"/>
+            <a:endParaRPr lang="en-AU" dirty="0"/>
           </a:p>
         </p:txBody>
       </p:sp>
@@ -2121,7 +2121,7 @@
           <p:cNvPr id="4" name="Slide Number Placeholder 3">
             <a:extLst>
               <a:ext uri="{FF2B5EF4-FFF2-40B4-BE49-F238E27FC236}">
-                <a16:creationId xmlns:a16="http://schemas.microsoft.com/office/drawing/2014/main" xmlns="" id="{FAA26C21-F4BF-4B4B-907D-2874C9A15B93}"/>
+                <a16:creationId xmlns:a16="http://schemas.microsoft.com/office/drawing/2014/main" id="{FAA26C21-F4BF-4B4B-907D-2874C9A15B93}"/>
               </a:ext>
             </a:extLst>
           </p:cNvPr>
@@ -2141,7 +2141,7 @@
               <a:rPr lang="en-AU" smtClean="0"/>
               <a:t>‹#›</a:t>
             </a:fld>
-            <a:endParaRPr lang="en-AU"/>
+            <a:endParaRPr lang="en-AU" dirty="0"/>
           </a:p>
         </p:txBody>
       </p:sp>
@@ -2180,7 +2180,7 @@
           <p:cNvPr id="2" name="Title 1">
             <a:extLst>
               <a:ext uri="{FF2B5EF4-FFF2-40B4-BE49-F238E27FC236}">
-                <a16:creationId xmlns:a16="http://schemas.microsoft.com/office/drawing/2014/main" xmlns="" id="{3DE74DB8-E9E4-9745-BA22-E3BDC2D2DC09}"/>
+                <a16:creationId xmlns:a16="http://schemas.microsoft.com/office/drawing/2014/main" id="{3DE74DB8-E9E4-9745-BA22-E3BDC2D2DC09}"/>
               </a:ext>
             </a:extLst>
           </p:cNvPr>
@@ -2218,7 +2218,7 @@
           <p:cNvPr id="3" name="Content Placeholder 2">
             <a:extLst>
               <a:ext uri="{FF2B5EF4-FFF2-40B4-BE49-F238E27FC236}">
-                <a16:creationId xmlns:a16="http://schemas.microsoft.com/office/drawing/2014/main" xmlns="" id="{B92B7264-C751-C641-8314-7684AD41F6F9}"/>
+                <a16:creationId xmlns:a16="http://schemas.microsoft.com/office/drawing/2014/main" id="{B92B7264-C751-C641-8314-7684AD41F6F9}"/>
               </a:ext>
             </a:extLst>
           </p:cNvPr>
@@ -2309,7 +2309,7 @@
           <p:cNvPr id="4" name="Text Placeholder 3">
             <a:extLst>
               <a:ext uri="{FF2B5EF4-FFF2-40B4-BE49-F238E27FC236}">
-                <a16:creationId xmlns:a16="http://schemas.microsoft.com/office/drawing/2014/main" xmlns="" id="{B8E9CFBF-8F62-4C4E-8923-05B4137407CC}"/>
+                <a16:creationId xmlns:a16="http://schemas.microsoft.com/office/drawing/2014/main" id="{B8E9CFBF-8F62-4C4E-8923-05B4137407CC}"/>
               </a:ext>
             </a:extLst>
           </p:cNvPr>
@@ -2380,7 +2380,7 @@
           <p:cNvPr id="5" name="Date Placeholder 4">
             <a:extLst>
               <a:ext uri="{FF2B5EF4-FFF2-40B4-BE49-F238E27FC236}">
-                <a16:creationId xmlns:a16="http://schemas.microsoft.com/office/drawing/2014/main" xmlns="" id="{16A4B57D-BEA9-DE4D-9588-B408F6FB9D17}"/>
+                <a16:creationId xmlns:a16="http://schemas.microsoft.com/office/drawing/2014/main" id="{16A4B57D-BEA9-DE4D-9588-B408F6FB9D17}"/>
               </a:ext>
             </a:extLst>
           </p:cNvPr>
@@ -2398,9 +2398,9 @@
           <a:p>
             <a:fld id="{8CFD15F7-6CA2-B94A-A9B1-464EA8F9B4DA}" type="datetimeFigureOut">
               <a:rPr lang="en-AU" smtClean="0"/>
-              <a:t>22/1/2018</a:t>
+              <a:t>22/1/18</a:t>
             </a:fld>
-            <a:endParaRPr lang="en-AU"/>
+            <a:endParaRPr lang="en-AU" dirty="0"/>
           </a:p>
         </p:txBody>
       </p:sp>
@@ -2409,7 +2409,7 @@
           <p:cNvPr id="6" name="Footer Placeholder 5">
             <a:extLst>
               <a:ext uri="{FF2B5EF4-FFF2-40B4-BE49-F238E27FC236}">
-                <a16:creationId xmlns:a16="http://schemas.microsoft.com/office/drawing/2014/main" xmlns="" id="{90ECCEC0-D11D-1543-BE63-8160948CE868}"/>
+                <a16:creationId xmlns:a16="http://schemas.microsoft.com/office/drawing/2014/main" id="{90ECCEC0-D11D-1543-BE63-8160948CE868}"/>
               </a:ext>
             </a:extLst>
           </p:cNvPr>
@@ -2425,7 +2425,7 @@
           <a:bodyPr/>
           <a:lstStyle/>
           <a:p>
-            <a:endParaRPr lang="en-AU"/>
+            <a:endParaRPr lang="en-AU" dirty="0"/>
           </a:p>
         </p:txBody>
       </p:sp>
@@ -2434,7 +2434,7 @@
           <p:cNvPr id="7" name="Slide Number Placeholder 6">
             <a:extLst>
               <a:ext uri="{FF2B5EF4-FFF2-40B4-BE49-F238E27FC236}">
-                <a16:creationId xmlns:a16="http://schemas.microsoft.com/office/drawing/2014/main" xmlns="" id="{8740D072-7562-B946-8133-3B179F2A5E5D}"/>
+                <a16:creationId xmlns:a16="http://schemas.microsoft.com/office/drawing/2014/main" id="{8740D072-7562-B946-8133-3B179F2A5E5D}"/>
               </a:ext>
             </a:extLst>
           </p:cNvPr>
@@ -2454,7 +2454,7 @@
               <a:rPr lang="en-AU" smtClean="0"/>
               <a:t>‹#›</a:t>
             </a:fld>
-            <a:endParaRPr lang="en-AU"/>
+            <a:endParaRPr lang="en-AU" dirty="0"/>
           </a:p>
         </p:txBody>
       </p:sp>
@@ -2493,7 +2493,7 @@
           <p:cNvPr id="2" name="Title 1">
             <a:extLst>
               <a:ext uri="{FF2B5EF4-FFF2-40B4-BE49-F238E27FC236}">
-                <a16:creationId xmlns:a16="http://schemas.microsoft.com/office/drawing/2014/main" xmlns="" id="{DAF84161-D8CB-0344-B4D1-13ADED129418}"/>
+                <a16:creationId xmlns:a16="http://schemas.microsoft.com/office/drawing/2014/main" id="{DAF84161-D8CB-0344-B4D1-13ADED129418}"/>
               </a:ext>
             </a:extLst>
           </p:cNvPr>
@@ -2531,7 +2531,7 @@
           <p:cNvPr id="3" name="Picture Placeholder 2">
             <a:extLst>
               <a:ext uri="{FF2B5EF4-FFF2-40B4-BE49-F238E27FC236}">
-                <a16:creationId xmlns:a16="http://schemas.microsoft.com/office/drawing/2014/main" xmlns="" id="{C60CFB04-5AFA-5545-9EC5-CF2CBF1A1E57}"/>
+                <a16:creationId xmlns:a16="http://schemas.microsoft.com/office/drawing/2014/main" id="{C60CFB04-5AFA-5545-9EC5-CF2CBF1A1E57}"/>
               </a:ext>
             </a:extLst>
           </p:cNvPr>
@@ -2589,7 +2589,7 @@
             </a:lvl9pPr>
           </a:lstStyle>
           <a:p>
-            <a:endParaRPr lang="en-AU"/>
+            <a:endParaRPr lang="en-AU" dirty="0"/>
           </a:p>
         </p:txBody>
       </p:sp>
@@ -2598,7 +2598,7 @@
           <p:cNvPr id="4" name="Text Placeholder 3">
             <a:extLst>
               <a:ext uri="{FF2B5EF4-FFF2-40B4-BE49-F238E27FC236}">
-                <a16:creationId xmlns:a16="http://schemas.microsoft.com/office/drawing/2014/main" xmlns="" id="{6A12A23E-9514-9E4C-83C9-3DF0643B97FC}"/>
+                <a16:creationId xmlns:a16="http://schemas.microsoft.com/office/drawing/2014/main" id="{6A12A23E-9514-9E4C-83C9-3DF0643B97FC}"/>
               </a:ext>
             </a:extLst>
           </p:cNvPr>
@@ -2669,7 +2669,7 @@
           <p:cNvPr id="5" name="Date Placeholder 4">
             <a:extLst>
               <a:ext uri="{FF2B5EF4-FFF2-40B4-BE49-F238E27FC236}">
-                <a16:creationId xmlns:a16="http://schemas.microsoft.com/office/drawing/2014/main" xmlns="" id="{CB4B3FE3-B7FD-F442-89ED-0C9EBCE953F7}"/>
+                <a16:creationId xmlns:a16="http://schemas.microsoft.com/office/drawing/2014/main" id="{CB4B3FE3-B7FD-F442-89ED-0C9EBCE953F7}"/>
               </a:ext>
             </a:extLst>
           </p:cNvPr>
@@ -2687,9 +2687,9 @@
           <a:p>
             <a:fld id="{8CFD15F7-6CA2-B94A-A9B1-464EA8F9B4DA}" type="datetimeFigureOut">
               <a:rPr lang="en-AU" smtClean="0"/>
-              <a:t>22/1/2018</a:t>
+              <a:t>22/1/18</a:t>
             </a:fld>
-            <a:endParaRPr lang="en-AU"/>
+            <a:endParaRPr lang="en-AU" dirty="0"/>
           </a:p>
         </p:txBody>
       </p:sp>
@@ -2698,7 +2698,7 @@
           <p:cNvPr id="6" name="Footer Placeholder 5">
             <a:extLst>
               <a:ext uri="{FF2B5EF4-FFF2-40B4-BE49-F238E27FC236}">
-                <a16:creationId xmlns:a16="http://schemas.microsoft.com/office/drawing/2014/main" xmlns="" id="{370290CF-F411-D24F-8424-963F0779B27D}"/>
+                <a16:creationId xmlns:a16="http://schemas.microsoft.com/office/drawing/2014/main" id="{370290CF-F411-D24F-8424-963F0779B27D}"/>
               </a:ext>
             </a:extLst>
           </p:cNvPr>
@@ -2714,7 +2714,7 @@
           <a:bodyPr/>
           <a:lstStyle/>
           <a:p>
-            <a:endParaRPr lang="en-AU"/>
+            <a:endParaRPr lang="en-AU" dirty="0"/>
           </a:p>
         </p:txBody>
       </p:sp>
@@ -2723,7 +2723,7 @@
           <p:cNvPr id="7" name="Slide Number Placeholder 6">
             <a:extLst>
               <a:ext uri="{FF2B5EF4-FFF2-40B4-BE49-F238E27FC236}">
-                <a16:creationId xmlns:a16="http://schemas.microsoft.com/office/drawing/2014/main" xmlns="" id="{EDB7317E-C3CE-7641-B319-AAAB48B4BABB}"/>
+                <a16:creationId xmlns:a16="http://schemas.microsoft.com/office/drawing/2014/main" id="{EDB7317E-C3CE-7641-B319-AAAB48B4BABB}"/>
               </a:ext>
             </a:extLst>
           </p:cNvPr>
@@ -2743,7 +2743,7 @@
               <a:rPr lang="en-AU" smtClean="0"/>
               <a:t>‹#›</a:t>
             </a:fld>
-            <a:endParaRPr lang="en-AU"/>
+            <a:endParaRPr lang="en-AU" dirty="0"/>
           </a:p>
         </p:txBody>
       </p:sp>
@@ -2787,7 +2787,7 @@
           <p:cNvPr id="2" name="Title Placeholder 1">
             <a:extLst>
               <a:ext uri="{FF2B5EF4-FFF2-40B4-BE49-F238E27FC236}">
-                <a16:creationId xmlns:a16="http://schemas.microsoft.com/office/drawing/2014/main" xmlns="" id="{17E37816-9A1A-634D-AE69-7E2FA3DA0EFD}"/>
+                <a16:creationId xmlns:a16="http://schemas.microsoft.com/office/drawing/2014/main" id="{17E37816-9A1A-634D-AE69-7E2FA3DA0EFD}"/>
               </a:ext>
             </a:extLst>
           </p:cNvPr>
@@ -2826,7 +2826,7 @@
           <p:cNvPr id="3" name="Text Placeholder 2">
             <a:extLst>
               <a:ext uri="{FF2B5EF4-FFF2-40B4-BE49-F238E27FC236}">
-                <a16:creationId xmlns:a16="http://schemas.microsoft.com/office/drawing/2014/main" xmlns="" id="{29A2E47D-D7CC-9742-B247-E33BDFB72D86}"/>
+                <a16:creationId xmlns:a16="http://schemas.microsoft.com/office/drawing/2014/main" id="{29A2E47D-D7CC-9742-B247-E33BDFB72D86}"/>
               </a:ext>
             </a:extLst>
           </p:cNvPr>
@@ -2894,7 +2894,7 @@
           <p:cNvPr id="4" name="Date Placeholder 3">
             <a:extLst>
               <a:ext uri="{FF2B5EF4-FFF2-40B4-BE49-F238E27FC236}">
-                <a16:creationId xmlns:a16="http://schemas.microsoft.com/office/drawing/2014/main" xmlns="" id="{702B1656-C0FA-AE4D-B719-6577903B0EEC}"/>
+                <a16:creationId xmlns:a16="http://schemas.microsoft.com/office/drawing/2014/main" id="{702B1656-C0FA-AE4D-B719-6577903B0EEC}"/>
               </a:ext>
             </a:extLst>
           </p:cNvPr>
@@ -2930,9 +2930,9 @@
           <a:p>
             <a:fld id="{8CFD15F7-6CA2-B94A-A9B1-464EA8F9B4DA}" type="datetimeFigureOut">
               <a:rPr lang="en-AU" smtClean="0"/>
-              <a:t>22/1/2018</a:t>
+              <a:t>22/1/18</a:t>
             </a:fld>
-            <a:endParaRPr lang="en-AU"/>
+            <a:endParaRPr lang="en-AU" dirty="0"/>
           </a:p>
         </p:txBody>
       </p:sp>
@@ -2941,7 +2941,7 @@
           <p:cNvPr id="5" name="Footer Placeholder 4">
             <a:extLst>
               <a:ext uri="{FF2B5EF4-FFF2-40B4-BE49-F238E27FC236}">
-                <a16:creationId xmlns:a16="http://schemas.microsoft.com/office/drawing/2014/main" xmlns="" id="{A0728B9D-9C67-4E47-99A1-A33854E2F172}"/>
+                <a16:creationId xmlns:a16="http://schemas.microsoft.com/office/drawing/2014/main" id="{A0728B9D-9C67-4E47-99A1-A33854E2F172}"/>
               </a:ext>
             </a:extLst>
           </p:cNvPr>
@@ -2975,7 +2975,7 @@
             </a:lvl1pPr>
           </a:lstStyle>
           <a:p>
-            <a:endParaRPr lang="en-AU"/>
+            <a:endParaRPr lang="en-AU" dirty="0"/>
           </a:p>
         </p:txBody>
       </p:sp>
@@ -2984,7 +2984,7 @@
           <p:cNvPr id="6" name="Slide Number Placeholder 5">
             <a:extLst>
               <a:ext uri="{FF2B5EF4-FFF2-40B4-BE49-F238E27FC236}">
-                <a16:creationId xmlns:a16="http://schemas.microsoft.com/office/drawing/2014/main" xmlns="" id="{D0CB8E78-89F9-044E-990C-B8D3244E44C4}"/>
+                <a16:creationId xmlns:a16="http://schemas.microsoft.com/office/drawing/2014/main" id="{D0CB8E78-89F9-044E-990C-B8D3244E44C4}"/>
               </a:ext>
             </a:extLst>
           </p:cNvPr>
@@ -3022,7 +3022,7 @@
               <a:rPr lang="en-AU" smtClean="0"/>
               <a:t>‹#›</a:t>
             </a:fld>
-            <a:endParaRPr lang="en-AU"/>
+            <a:endParaRPr lang="en-AU" dirty="0"/>
           </a:p>
         </p:txBody>
       </p:sp>
@@ -3352,7 +3352,7 @@
           <p:cNvPr id="4" name="Table 3">
             <a:extLst>
               <a:ext uri="{FF2B5EF4-FFF2-40B4-BE49-F238E27FC236}">
-                <a16:creationId xmlns:a16="http://schemas.microsoft.com/office/drawing/2014/main" xmlns="" id="{5322A5D9-D2E6-6F40-AD5A-F8073604363B}"/>
+                <a16:creationId xmlns:a16="http://schemas.microsoft.com/office/drawing/2014/main" id="{5322A5D9-D2E6-6F40-AD5A-F8073604363B}"/>
               </a:ext>
             </a:extLst>
           </p:cNvPr>
@@ -3362,14 +3362,14 @@
           <p:nvPr>
             <p:extLst>
               <p:ext uri="{D42A27DB-BD31-4B8C-83A1-F6EECF244321}">
-                <p14:modId xmlns:p14="http://schemas.microsoft.com/office/powerpoint/2010/main" val="2940647557"/>
+                <p14:modId xmlns:p14="http://schemas.microsoft.com/office/powerpoint/2010/main" val="2447849631"/>
               </p:ext>
             </p:extLst>
           </p:nvPr>
         </p:nvGraphicFramePr>
         <p:xfrm>
           <a:off x="9089586" y="601025"/>
-          <a:ext cx="2664000" cy="1838339"/>
+          <a:ext cx="2772851" cy="1655459"/>
         </p:xfrm>
         <a:graphic>
           <a:graphicData uri="http://schemas.openxmlformats.org/drawingml/2006/table">
@@ -3381,21 +3381,21 @@
                 <a:gridCol w="756851">
                   <a:extLst>
                     <a:ext uri="{9D8B030D-6E8A-4147-A177-3AD203B41FA5}">
-                      <a16:colId xmlns:a16="http://schemas.microsoft.com/office/drawing/2014/main" xmlns="" val="1713275409"/>
+                      <a16:colId xmlns:a16="http://schemas.microsoft.com/office/drawing/2014/main" val="1713275409"/>
                     </a:ext>
                   </a:extLst>
                 </a:gridCol>
-                <a:gridCol w="791149">
+                <a:gridCol w="900000">
                   <a:extLst>
                     <a:ext uri="{9D8B030D-6E8A-4147-A177-3AD203B41FA5}">
-                      <a16:colId xmlns:a16="http://schemas.microsoft.com/office/drawing/2014/main" xmlns="" val="1897287602"/>
+                      <a16:colId xmlns:a16="http://schemas.microsoft.com/office/drawing/2014/main" val="1897287602"/>
                     </a:ext>
                   </a:extLst>
                 </a:gridCol>
                 <a:gridCol w="1116000">
                   <a:extLst>
                     <a:ext uri="{9D8B030D-6E8A-4147-A177-3AD203B41FA5}">
-                      <a16:colId xmlns:a16="http://schemas.microsoft.com/office/drawing/2014/main" xmlns="" val="2795947963"/>
+                      <a16:colId xmlns:a16="http://schemas.microsoft.com/office/drawing/2014/main" val="2795947963"/>
                     </a:ext>
                   </a:extLst>
                 </a:gridCol>
@@ -3407,10 +3407,9 @@
                     <a:lstStyle/>
                     <a:p>
                       <a:r>
-                        <a:rPr lang="en-AU" sz="1200" dirty="0" smtClean="0"/>
+                        <a:rPr lang="en-AU" sz="1200" dirty="0"/>
                         <a:t>metric-name</a:t>
                       </a:r>
-                      <a:endParaRPr lang="en-AU" sz="1200" dirty="0"/>
                     </a:p>
                   </a:txBody>
                   <a:tcPr>
@@ -3458,10 +3457,9 @@
                     <a:lstStyle/>
                     <a:p>
                       <a:r>
-                        <a:rPr lang="en-AU" sz="1200" dirty="0" smtClean="0"/>
+                        <a:rPr lang="en-AU" sz="1200" dirty="0"/>
                         <a:t>metric-description</a:t>
                       </a:r>
-                      <a:endParaRPr lang="en-AU" sz="1200" dirty="0"/>
                     </a:p>
                   </a:txBody>
                   <a:tcPr>
@@ -3509,10 +3507,9 @@
                     <a:lstStyle/>
                     <a:p>
                       <a:r>
-                        <a:rPr lang="en-AU" sz="1200" dirty="0" smtClean="0"/>
+                        <a:rPr lang="en-AU" sz="1200" dirty="0"/>
                         <a:t>measurement-process</a:t>
                       </a:r>
-                      <a:endParaRPr lang="en-AU" sz="1200" dirty="0"/>
                     </a:p>
                   </a:txBody>
                   <a:tcPr>
@@ -3556,7 +3553,7 @@
                 </a:tc>
                 <a:extLst>
                   <a:ext uri="{0D108BD9-81ED-4DB2-BD59-A6C34878D82A}">
-                    <a16:rowId xmlns:a16="http://schemas.microsoft.com/office/drawing/2014/main" xmlns="" val="3020429315"/>
+                    <a16:rowId xmlns:a16="http://schemas.microsoft.com/office/drawing/2014/main" val="3020429315"/>
                   </a:ext>
                 </a:extLst>
               </a:tr>
@@ -3567,18 +3564,13 @@
                     <a:lstStyle/>
                     <a:p>
                       <a:r>
-                        <a:rPr lang="en-AU" sz="1050" dirty="0" smtClean="0">
+                        <a:rPr lang="en-AU" sz="1050" dirty="0">
                           <a:solidFill>
                             <a:schemeClr val="accent6"/>
                           </a:solidFill>
                         </a:rPr>
                         <a:t>row-count</a:t>
                       </a:r>
-                      <a:endParaRPr lang="en-AU" sz="1050" dirty="0">
-                        <a:solidFill>
-                          <a:schemeClr val="accent6"/>
-                        </a:solidFill>
-                      </a:endParaRPr>
                     </a:p>
                   </a:txBody>
                   <a:tcPr>
@@ -3672,7 +3664,7 @@
                     <a:bodyPr/>
                     <a:lstStyle/>
                     <a:p>
-                      <a:endParaRPr lang="en-AU" sz="1000"/>
+                      <a:endParaRPr lang="en-AU" sz="1000" dirty="0"/>
                     </a:p>
                   </a:txBody>
                   <a:tcPr>
@@ -3716,7 +3708,7 @@
                 </a:tc>
                 <a:extLst>
                   <a:ext uri="{0D108BD9-81ED-4DB2-BD59-A6C34878D82A}">
-                    <a16:rowId xmlns:a16="http://schemas.microsoft.com/office/drawing/2014/main" xmlns="" val="2811010025"/>
+                    <a16:rowId xmlns:a16="http://schemas.microsoft.com/office/drawing/2014/main" val="2811010025"/>
                   </a:ext>
                 </a:extLst>
               </a:tr>
@@ -3727,18 +3719,13 @@
                     <a:lstStyle/>
                     <a:p>
                       <a:r>
-                        <a:rPr lang="en-AU" sz="1050" dirty="0" smtClean="0">
+                        <a:rPr lang="en-AU" sz="1050" dirty="0">
                           <a:solidFill>
                             <a:schemeClr val="accent6"/>
                           </a:solidFill>
                         </a:rPr>
                         <a:t>completeness</a:t>
                       </a:r>
-                      <a:endParaRPr lang="en-AU" sz="1050" dirty="0">
-                        <a:solidFill>
-                          <a:schemeClr val="accent6"/>
-                        </a:solidFill>
-                      </a:endParaRPr>
                     </a:p>
                   </a:txBody>
                   <a:tcPr>
@@ -3876,7 +3863,7 @@
                 </a:tc>
                 <a:extLst>
                   <a:ext uri="{0D108BD9-81ED-4DB2-BD59-A6C34878D82A}">
-                    <a16:rowId xmlns:a16="http://schemas.microsoft.com/office/drawing/2014/main" xmlns="" val="770099115"/>
+                    <a16:rowId xmlns:a16="http://schemas.microsoft.com/office/drawing/2014/main" val="770099115"/>
                   </a:ext>
                 </a:extLst>
               </a:tr>
@@ -3887,18 +3874,13 @@
                     <a:lstStyle/>
                     <a:p>
                       <a:r>
-                        <a:rPr lang="en-AU" sz="1050" dirty="0" smtClean="0">
+                        <a:rPr lang="en-AU" sz="1050" dirty="0">
                           <a:solidFill>
                             <a:schemeClr val="accent6"/>
                           </a:solidFill>
                         </a:rPr>
                         <a:t>minimum</a:t>
                       </a:r>
-                      <a:endParaRPr lang="en-AU" sz="1050" dirty="0">
-                        <a:solidFill>
-                          <a:schemeClr val="accent6"/>
-                        </a:solidFill>
-                      </a:endParaRPr>
                     </a:p>
                   </a:txBody>
                   <a:tcPr>
@@ -4036,7 +4018,7 @@
                 </a:tc>
                 <a:extLst>
                   <a:ext uri="{0D108BD9-81ED-4DB2-BD59-A6C34878D82A}">
-                    <a16:rowId xmlns:a16="http://schemas.microsoft.com/office/drawing/2014/main" xmlns="" val="1518239702"/>
+                    <a16:rowId xmlns:a16="http://schemas.microsoft.com/office/drawing/2014/main" val="1518239702"/>
                   </a:ext>
                 </a:extLst>
               </a:tr>
@@ -4047,18 +4029,13 @@
                     <a:lstStyle/>
                     <a:p>
                       <a:r>
-                        <a:rPr lang="en-AU" sz="1050" dirty="0" smtClean="0">
+                        <a:rPr lang="en-AU" sz="1050" dirty="0">
                           <a:solidFill>
                             <a:schemeClr val="accent6"/>
                           </a:solidFill>
                         </a:rPr>
                         <a:t>maximum</a:t>
                       </a:r>
-                      <a:endParaRPr lang="en-AU" sz="1050" dirty="0">
-                        <a:solidFill>
-                          <a:schemeClr val="accent6"/>
-                        </a:solidFill>
-                      </a:endParaRPr>
                     </a:p>
                   </a:txBody>
                   <a:tcPr>
@@ -4194,6 +4171,11 @@
                     </a:lnB>
                   </a:tcPr>
                 </a:tc>
+                <a:extLst>
+                  <a:ext uri="{0D108BD9-81ED-4DB2-BD59-A6C34878D82A}">
+                    <a16:rowId xmlns:a16="http://schemas.microsoft.com/office/drawing/2014/main" val="10004"/>
+                  </a:ext>
+                </a:extLst>
               </a:tr>
             </a:tbl>
           </a:graphicData>
@@ -4204,7 +4186,7 @@
           <p:cNvPr id="7" name="Table 6">
             <a:extLst>
               <a:ext uri="{FF2B5EF4-FFF2-40B4-BE49-F238E27FC236}">
-                <a16:creationId xmlns:a16="http://schemas.microsoft.com/office/drawing/2014/main" xmlns="" id="{C5570EB3-0E29-4E41-8B0E-EF0937299499}"/>
+                <a16:creationId xmlns:a16="http://schemas.microsoft.com/office/drawing/2014/main" id="{C5570EB3-0E29-4E41-8B0E-EF0937299499}"/>
               </a:ext>
             </a:extLst>
           </p:cNvPr>
@@ -4214,14 +4196,14 @@
           <p:nvPr>
             <p:extLst>
               <p:ext uri="{D42A27DB-BD31-4B8C-83A1-F6EECF244321}">
-                <p14:modId xmlns:p14="http://schemas.microsoft.com/office/powerpoint/2010/main" val="3647529066"/>
+                <p14:modId xmlns:p14="http://schemas.microsoft.com/office/powerpoint/2010/main" val="2254159941"/>
               </p:ext>
             </p:extLst>
           </p:nvPr>
         </p:nvGraphicFramePr>
         <p:xfrm>
           <a:off x="3478232" y="601025"/>
-          <a:ext cx="5455270" cy="1815479"/>
+          <a:ext cx="5208575" cy="1655459"/>
         </p:xfrm>
         <a:graphic>
           <a:graphicData uri="http://schemas.openxmlformats.org/drawingml/2006/table">
@@ -4233,42 +4215,42 @@
                 <a:gridCol w="789823">
                   <a:extLst>
                     <a:ext uri="{9D8B030D-6E8A-4147-A177-3AD203B41FA5}">
-                      <a16:colId xmlns:a16="http://schemas.microsoft.com/office/drawing/2014/main" xmlns="" val="1456800209"/>
+                      <a16:colId xmlns:a16="http://schemas.microsoft.com/office/drawing/2014/main" val="1456800209"/>
                     </a:ext>
                   </a:extLst>
                 </a:gridCol>
                 <a:gridCol w="601770">
                   <a:extLst>
                     <a:ext uri="{9D8B030D-6E8A-4147-A177-3AD203B41FA5}">
-                      <a16:colId xmlns:a16="http://schemas.microsoft.com/office/drawing/2014/main" xmlns="" val="2141864085"/>
+                      <a16:colId xmlns:a16="http://schemas.microsoft.com/office/drawing/2014/main" val="2141864085"/>
                     </a:ext>
                   </a:extLst>
                 </a:gridCol>
-                <a:gridCol w="1082570">
+                <a:gridCol w="972000">
                   <a:extLst>
                     <a:ext uri="{9D8B030D-6E8A-4147-A177-3AD203B41FA5}">
-                      <a16:colId xmlns:a16="http://schemas.microsoft.com/office/drawing/2014/main" xmlns="" val="1713275409"/>
+                      <a16:colId xmlns:a16="http://schemas.microsoft.com/office/drawing/2014/main" val="1713275409"/>
                     </a:ext>
                   </a:extLst>
                 </a:gridCol>
                 <a:gridCol w="1067530">
                   <a:extLst>
                     <a:ext uri="{9D8B030D-6E8A-4147-A177-3AD203B41FA5}">
-                      <a16:colId xmlns:a16="http://schemas.microsoft.com/office/drawing/2014/main" xmlns="" val="1897287602"/>
+                      <a16:colId xmlns:a16="http://schemas.microsoft.com/office/drawing/2014/main" val="1897287602"/>
                     </a:ext>
                   </a:extLst>
                 </a:gridCol>
-                <a:gridCol w="1000125">
+                <a:gridCol w="864000">
                   <a:extLst>
                     <a:ext uri="{9D8B030D-6E8A-4147-A177-3AD203B41FA5}">
-                      <a16:colId xmlns:a16="http://schemas.microsoft.com/office/drawing/2014/main" xmlns="" val="2795947963"/>
+                      <a16:colId xmlns:a16="http://schemas.microsoft.com/office/drawing/2014/main" val="2795947963"/>
                     </a:ext>
                   </a:extLst>
                 </a:gridCol>
                 <a:gridCol w="913452">
                   <a:extLst>
                     <a:ext uri="{9D8B030D-6E8A-4147-A177-3AD203B41FA5}">
-                      <a16:colId xmlns:a16="http://schemas.microsoft.com/office/drawing/2014/main" xmlns="" val="1049594789"/>
+                      <a16:colId xmlns:a16="http://schemas.microsoft.com/office/drawing/2014/main" val="1049594789"/>
                     </a:ext>
                   </a:extLst>
                 </a:gridCol>
@@ -4280,14 +4262,9 @@
                     <a:lstStyle/>
                     <a:p>
                       <a:r>
-                        <a:rPr lang="en-AU" sz="1200" dirty="0" err="1" smtClean="0"/>
-                        <a:t>resouce</a:t>
+                        <a:rPr lang="en-AU" sz="1200" dirty="0"/>
+                        <a:t>resource-name</a:t>
                       </a:r>
-                      <a:r>
-                        <a:rPr lang="en-AU" sz="1200" dirty="0" smtClean="0"/>
-                        <a:t>-name</a:t>
-                      </a:r>
-                      <a:endParaRPr lang="en-AU" sz="1200" dirty="0"/>
                     </a:p>
                   </a:txBody>
                   <a:tcPr>
@@ -4335,10 +4312,9 @@
                     <a:lstStyle/>
                     <a:p>
                       <a:r>
-                        <a:rPr lang="en-AU" sz="1200" dirty="0" smtClean="0"/>
+                        <a:rPr lang="en-AU" sz="1200" dirty="0"/>
                         <a:t>field-name</a:t>
                       </a:r>
-                      <a:endParaRPr lang="en-AU" sz="1200" dirty="0"/>
                     </a:p>
                   </a:txBody>
                   <a:tcPr>
@@ -4386,10 +4362,9 @@
                     <a:lstStyle/>
                     <a:p>
                       <a:r>
-                        <a:rPr lang="en-AU" sz="1200" dirty="0" smtClean="0"/>
+                        <a:rPr lang="en-AU" sz="1200" dirty="0"/>
                         <a:t>metric-name</a:t>
                       </a:r>
-                      <a:endParaRPr lang="en-AU" sz="1200" dirty="0"/>
                     </a:p>
                   </a:txBody>
                   <a:tcPr>
@@ -4437,10 +4412,9 @@
                     <a:lstStyle/>
                     <a:p>
                       <a:r>
-                        <a:rPr lang="en-AU" sz="1200" dirty="0" smtClean="0"/>
+                        <a:rPr lang="en-AU" sz="1200" dirty="0"/>
                         <a:t>measurement</a:t>
                       </a:r>
-                      <a:endParaRPr lang="en-AU" sz="1200" dirty="0"/>
                     </a:p>
                   </a:txBody>
                   <a:tcPr>
@@ -4488,10 +4462,9 @@
                     <a:lstStyle/>
                     <a:p>
                       <a:r>
-                        <a:rPr lang="en-AU" sz="1200" dirty="0" smtClean="0"/>
+                        <a:rPr lang="en-AU" sz="1200" dirty="0"/>
                         <a:t>value</a:t>
                       </a:r>
-                      <a:endParaRPr lang="en-AU" sz="1200" dirty="0"/>
                     </a:p>
                   </a:txBody>
                   <a:tcPr>
@@ -4539,10 +4512,9 @@
                     <a:lstStyle/>
                     <a:p>
                       <a:r>
-                        <a:rPr lang="en-AU" sz="1200" dirty="0" smtClean="0"/>
+                        <a:rPr lang="en-AU" sz="1200" dirty="0"/>
                         <a:t>annotation</a:t>
                       </a:r>
-                      <a:endParaRPr lang="en-AU" sz="1200" dirty="0"/>
                     </a:p>
                   </a:txBody>
                   <a:tcPr>
@@ -4586,7 +4558,7 @@
                 </a:tc>
                 <a:extLst>
                   <a:ext uri="{0D108BD9-81ED-4DB2-BD59-A6C34878D82A}">
-                    <a16:rowId xmlns:a16="http://schemas.microsoft.com/office/drawing/2014/main" xmlns="" val="3020429315"/>
+                    <a16:rowId xmlns:a16="http://schemas.microsoft.com/office/drawing/2014/main" val="3020429315"/>
                   </a:ext>
                 </a:extLst>
               </a:tr>
@@ -4597,18 +4569,13 @@
                     <a:lstStyle/>
                     <a:p>
                       <a:r>
-                        <a:rPr lang="en-AU" sz="1050" dirty="0" smtClean="0">
+                        <a:rPr lang="en-AU" sz="1050" dirty="0">
                           <a:solidFill>
                             <a:schemeClr val="accent5"/>
                           </a:solidFill>
                         </a:rPr>
                         <a:t>tides</a:t>
                       </a:r>
-                      <a:endParaRPr lang="en-AU" sz="1050" dirty="0">
-                        <a:solidFill>
-                          <a:schemeClr val="accent5"/>
-                        </a:solidFill>
-                      </a:endParaRPr>
                     </a:p>
                   </a:txBody>
                   <a:tcPr>
@@ -4656,18 +4623,13 @@
                     <a:lstStyle/>
                     <a:p>
                       <a:r>
-                        <a:rPr lang="en-AU" sz="1050" dirty="0" smtClean="0">
+                        <a:rPr lang="en-AU" sz="1050" dirty="0">
                           <a:solidFill>
                             <a:schemeClr val="accent5"/>
                           </a:solidFill>
                         </a:rPr>
                         <a:t>sensor</a:t>
                       </a:r>
-                      <a:endParaRPr lang="en-AU" sz="1050" dirty="0">
-                        <a:solidFill>
-                          <a:schemeClr val="accent5"/>
-                        </a:solidFill>
-                      </a:endParaRPr>
                     </a:p>
                   </a:txBody>
                   <a:tcPr>
@@ -4715,18 +4677,13 @@
                     <a:lstStyle/>
                     <a:p>
                       <a:r>
-                        <a:rPr lang="en-AU" sz="1050" dirty="0" smtClean="0">
+                        <a:rPr lang="en-AU" sz="1050" dirty="0">
                           <a:solidFill>
                             <a:schemeClr val="accent6"/>
                           </a:solidFill>
                         </a:rPr>
                         <a:t>row-count</a:t>
                       </a:r>
-                      <a:endParaRPr lang="en-AU" sz="1050" dirty="0">
-                        <a:solidFill>
-                          <a:schemeClr val="accent6"/>
-                        </a:solidFill>
-                      </a:endParaRPr>
                     </a:p>
                   </a:txBody>
                   <a:tcPr>
@@ -4775,7 +4732,7 @@
                     <a:p>
                       <a:r>
                         <a:rPr lang="en-AU" sz="1050" dirty="0"/>
-                        <a:t>3</a:t>
+                        <a:t>5</a:t>
                       </a:r>
                     </a:p>
                   </a:txBody>
@@ -4914,7 +4871,7 @@
                 </a:tc>
                 <a:extLst>
                   <a:ext uri="{0D108BD9-81ED-4DB2-BD59-A6C34878D82A}">
-                    <a16:rowId xmlns:a16="http://schemas.microsoft.com/office/drawing/2014/main" xmlns="" val="2811010025"/>
+                    <a16:rowId xmlns:a16="http://schemas.microsoft.com/office/drawing/2014/main" val="2811010025"/>
                   </a:ext>
                 </a:extLst>
               </a:tr>
@@ -4925,18 +4882,13 @@
                     <a:lstStyle/>
                     <a:p>
                       <a:r>
-                        <a:rPr lang="en-AU" sz="1050" dirty="0" smtClean="0">
+                        <a:rPr lang="en-AU" sz="1050" dirty="0">
                           <a:solidFill>
                             <a:schemeClr val="accent5"/>
                           </a:solidFill>
                         </a:rPr>
                         <a:t>tides</a:t>
                       </a:r>
-                      <a:endParaRPr lang="en-AU" sz="1050" dirty="0">
-                        <a:solidFill>
-                          <a:schemeClr val="accent5"/>
-                        </a:solidFill>
-                      </a:endParaRPr>
                     </a:p>
                   </a:txBody>
                   <a:tcPr>
@@ -4984,18 +4936,13 @@
                     <a:lstStyle/>
                     <a:p>
                       <a:r>
-                        <a:rPr lang="en-AU" sz="1050" dirty="0" smtClean="0">
+                        <a:rPr lang="en-AU" sz="1050" dirty="0">
                           <a:solidFill>
                             <a:schemeClr val="accent5"/>
                           </a:solidFill>
                         </a:rPr>
-                        <a:t>sensor</a:t>
+                        <a:t>Height</a:t>
                       </a:r>
-                      <a:endParaRPr lang="en-AU" sz="1050" dirty="0">
-                        <a:solidFill>
-                          <a:schemeClr val="accent5"/>
-                        </a:solidFill>
-                      </a:endParaRPr>
                     </a:p>
                   </a:txBody>
                   <a:tcPr>
@@ -5043,18 +4990,13 @@
                     <a:lstStyle/>
                     <a:p>
                       <a:r>
-                        <a:rPr lang="en-AU" sz="1050" dirty="0" smtClean="0">
+                        <a:rPr lang="en-AU" sz="1050" dirty="0">
                           <a:solidFill>
                             <a:schemeClr val="accent6"/>
                           </a:solidFill>
                         </a:rPr>
                         <a:t>completeness</a:t>
                       </a:r>
-                      <a:endParaRPr lang="en-AU" sz="1050" dirty="0">
-                        <a:solidFill>
-                          <a:schemeClr val="accent6"/>
-                        </a:solidFill>
-                      </a:endParaRPr>
                     </a:p>
                   </a:txBody>
                   <a:tcPr>
@@ -5103,7 +5045,7 @@
                     <a:p>
                       <a:r>
                         <a:rPr lang="en-AU" sz="1050" dirty="0"/>
-                        <a:t>1.0</a:t>
+                        <a:t>0.8</a:t>
                       </a:r>
                     </a:p>
                   </a:txBody>
@@ -5242,7 +5184,7 @@
                 </a:tc>
                 <a:extLst>
                   <a:ext uri="{0D108BD9-81ED-4DB2-BD59-A6C34878D82A}">
-                    <a16:rowId xmlns:a16="http://schemas.microsoft.com/office/drawing/2014/main" xmlns="" val="770099115"/>
+                    <a16:rowId xmlns:a16="http://schemas.microsoft.com/office/drawing/2014/main" val="770099115"/>
                   </a:ext>
                 </a:extLst>
               </a:tr>
@@ -5253,18 +5195,13 @@
                     <a:lstStyle/>
                     <a:p>
                       <a:r>
-                        <a:rPr lang="en-AU" sz="1050" dirty="0" smtClean="0">
+                        <a:rPr lang="en-AU" sz="1050" dirty="0">
                           <a:solidFill>
                             <a:schemeClr val="accent5"/>
                           </a:solidFill>
                         </a:rPr>
                         <a:t>tides</a:t>
                       </a:r>
-                      <a:endParaRPr lang="en-AU" sz="1050" dirty="0">
-                        <a:solidFill>
-                          <a:schemeClr val="accent5"/>
-                        </a:solidFill>
-                      </a:endParaRPr>
                     </a:p>
                   </a:txBody>
                   <a:tcPr>
@@ -5312,18 +5249,13 @@
                     <a:lstStyle/>
                     <a:p>
                       <a:r>
-                        <a:rPr lang="en-AU" sz="1050" dirty="0" smtClean="0">
+                        <a:rPr lang="en-AU" sz="1050" dirty="0">
                           <a:solidFill>
                             <a:schemeClr val="accent5"/>
                           </a:solidFill>
                         </a:rPr>
                         <a:t>height</a:t>
                       </a:r>
-                      <a:endParaRPr lang="en-AU" sz="1050" dirty="0">
-                        <a:solidFill>
-                          <a:schemeClr val="accent5"/>
-                        </a:solidFill>
-                      </a:endParaRPr>
                     </a:p>
                   </a:txBody>
                   <a:tcPr>
@@ -5371,18 +5303,13 @@
                     <a:lstStyle/>
                     <a:p>
                       <a:r>
-                        <a:rPr lang="en-AU" sz="1050" dirty="0" smtClean="0">
+                        <a:rPr lang="en-AU" sz="1050" dirty="0">
                           <a:solidFill>
                             <a:schemeClr val="accent6"/>
                           </a:solidFill>
                         </a:rPr>
                         <a:t>minimum</a:t>
                       </a:r>
-                      <a:endParaRPr lang="en-AU" sz="1050" dirty="0">
-                        <a:solidFill>
-                          <a:schemeClr val="accent6"/>
-                        </a:solidFill>
-                      </a:endParaRPr>
                     </a:p>
                   </a:txBody>
                   <a:tcPr>
@@ -5570,7 +5497,7 @@
                 </a:tc>
                 <a:extLst>
                   <a:ext uri="{0D108BD9-81ED-4DB2-BD59-A6C34878D82A}">
-                    <a16:rowId xmlns:a16="http://schemas.microsoft.com/office/drawing/2014/main" xmlns="" val="1518239702"/>
+                    <a16:rowId xmlns:a16="http://schemas.microsoft.com/office/drawing/2014/main" val="1518239702"/>
                   </a:ext>
                 </a:extLst>
               </a:tr>
@@ -5581,18 +5508,13 @@
                     <a:lstStyle/>
                     <a:p>
                       <a:r>
-                        <a:rPr lang="en-AU" sz="1050" dirty="0" smtClean="0">
+                        <a:rPr lang="en-AU" sz="1050" dirty="0">
                           <a:solidFill>
                             <a:schemeClr val="accent5"/>
                           </a:solidFill>
                         </a:rPr>
                         <a:t>tides</a:t>
                       </a:r>
-                      <a:endParaRPr lang="en-AU" sz="1050" dirty="0">
-                        <a:solidFill>
-                          <a:schemeClr val="accent5"/>
-                        </a:solidFill>
-                      </a:endParaRPr>
                     </a:p>
                   </a:txBody>
                   <a:tcPr>
@@ -5640,18 +5562,13 @@
                     <a:lstStyle/>
                     <a:p>
                       <a:r>
-                        <a:rPr lang="en-AU" sz="1050" dirty="0" smtClean="0">
+                        <a:rPr lang="en-AU" sz="1050" dirty="0">
                           <a:solidFill>
                             <a:schemeClr val="accent5"/>
                           </a:solidFill>
                         </a:rPr>
                         <a:t>date-time</a:t>
                       </a:r>
-                      <a:endParaRPr lang="en-AU" sz="1050" dirty="0">
-                        <a:solidFill>
-                          <a:schemeClr val="accent5"/>
-                        </a:solidFill>
-                      </a:endParaRPr>
                     </a:p>
                   </a:txBody>
                   <a:tcPr>
@@ -5699,18 +5616,13 @@
                     <a:lstStyle/>
                     <a:p>
                       <a:r>
-                        <a:rPr lang="en-AU" sz="1050" dirty="0" smtClean="0">
+                        <a:rPr lang="en-AU" sz="1050" dirty="0">
                           <a:solidFill>
                             <a:schemeClr val="accent6"/>
                           </a:solidFill>
                         </a:rPr>
                         <a:t>minimum</a:t>
                       </a:r>
-                      <a:endParaRPr lang="en-AU" sz="1050" dirty="0">
-                        <a:solidFill>
-                          <a:schemeClr val="accent6"/>
-                        </a:solidFill>
-                      </a:endParaRPr>
                     </a:p>
                   </a:txBody>
                   <a:tcPr>
@@ -5791,918 +5703,6 @@
                     <a:lnB w="28575" cap="flat" cmpd="sng" algn="ctr">
                       <a:solidFill>
                         <a:schemeClr val="accent2"/>
-                      </a:solidFill>
-                      <a:prstDash val="solid"/>
-                      <a:round/>
-                      <a:headEnd type="none" w="med" len="med"/>
-                      <a:tailEnd type="none" w="med" len="med"/>
-                    </a:lnB>
-                  </a:tcPr>
-                </a:tc>
-                <a:tc>
-                  <a:txBody>
-                    <a:bodyPr/>
-                    <a:lstStyle/>
-                    <a:p>
-                      <a:pPr marL="0" marR="0" lvl="0" indent="0" algn="l" defTabSz="914400" rtl="0" eaLnBrk="1" fontAlgn="auto" latinLnBrk="0" hangingPunct="1">
-                        <a:lnSpc>
-                          <a:spcPct val="100000"/>
-                        </a:lnSpc>
-                        <a:spcBef>
-                          <a:spcPts val="0"/>
-                        </a:spcBef>
-                        <a:spcAft>
-                          <a:spcPts val="0"/>
-                        </a:spcAft>
-                        <a:buClrTx/>
-                        <a:buSzTx/>
-                        <a:buFontTx/>
-                        <a:buNone/>
-                        <a:tabLst/>
-                        <a:defRPr/>
-                      </a:pPr>
-                      <a:r>
-                        <a:rPr lang="en-AU" sz="1050"/>
-                        <a:t>2018-01-22T13:00:00</a:t>
-                      </a:r>
-                    </a:p>
-                    <a:p>
-                      <a:endParaRPr lang="en-AU" sz="1050" dirty="0"/>
-                    </a:p>
-                  </a:txBody>
-                  <a:tcPr>
-                    <a:lnL w="28575" cap="flat" cmpd="sng" algn="ctr">
-                      <a:solidFill>
-                        <a:schemeClr val="accent2"/>
-                      </a:solidFill>
-                      <a:prstDash val="solid"/>
-                      <a:round/>
-                      <a:headEnd type="none" w="med" len="med"/>
-                      <a:tailEnd type="none" w="med" len="med"/>
-                    </a:lnL>
-                    <a:lnR w="28575" cap="flat" cmpd="sng" algn="ctr">
-                      <a:solidFill>
-                        <a:schemeClr val="accent2"/>
-                      </a:solidFill>
-                      <a:prstDash val="solid"/>
-                      <a:round/>
-                      <a:headEnd type="none" w="med" len="med"/>
-                      <a:tailEnd type="none" w="med" len="med"/>
-                    </a:lnR>
-                    <a:lnT w="28575" cap="flat" cmpd="sng" algn="ctr">
-                      <a:solidFill>
-                        <a:schemeClr val="accent2"/>
-                      </a:solidFill>
-                      <a:prstDash val="solid"/>
-                      <a:round/>
-                      <a:headEnd type="none" w="med" len="med"/>
-                      <a:tailEnd type="none" w="med" len="med"/>
-                    </a:lnT>
-                    <a:lnB w="28575" cap="flat" cmpd="sng" algn="ctr">
-                      <a:solidFill>
-                        <a:schemeClr val="accent2"/>
-                      </a:solidFill>
-                      <a:prstDash val="solid"/>
-                      <a:round/>
-                      <a:headEnd type="none" w="med" len="med"/>
-                      <a:tailEnd type="none" w="med" len="med"/>
-                    </a:lnB>
-                  </a:tcPr>
-                </a:tc>
-                <a:tc>
-                  <a:txBody>
-                    <a:bodyPr/>
-                    <a:lstStyle/>
-                    <a:p>
-                      <a:endParaRPr lang="en-AU" sz="1050" dirty="0"/>
-                    </a:p>
-                  </a:txBody>
-                  <a:tcPr>
-                    <a:lnL w="28575" cap="flat" cmpd="sng" algn="ctr">
-                      <a:solidFill>
-                        <a:schemeClr val="accent2"/>
-                      </a:solidFill>
-                      <a:prstDash val="solid"/>
-                      <a:round/>
-                      <a:headEnd type="none" w="med" len="med"/>
-                      <a:tailEnd type="none" w="med" len="med"/>
-                    </a:lnL>
-                    <a:lnR w="28575" cap="flat" cmpd="sng" algn="ctr">
-                      <a:solidFill>
-                        <a:schemeClr val="accent2"/>
-                      </a:solidFill>
-                      <a:prstDash val="solid"/>
-                      <a:round/>
-                      <a:headEnd type="none" w="med" len="med"/>
-                      <a:tailEnd type="none" w="med" len="med"/>
-                    </a:lnR>
-                    <a:lnT w="28575" cap="flat" cmpd="sng" algn="ctr">
-                      <a:solidFill>
-                        <a:schemeClr val="accent2"/>
-                      </a:solidFill>
-                      <a:prstDash val="solid"/>
-                      <a:round/>
-                      <a:headEnd type="none" w="med" len="med"/>
-                      <a:tailEnd type="none" w="med" len="med"/>
-                    </a:lnT>
-                    <a:lnB w="28575" cap="flat" cmpd="sng" algn="ctr">
-                      <a:solidFill>
-                        <a:schemeClr val="accent2"/>
-                      </a:solidFill>
-                      <a:prstDash val="solid"/>
-                      <a:round/>
-                      <a:headEnd type="none" w="med" len="med"/>
-                      <a:tailEnd type="none" w="med" len="med"/>
-                    </a:lnB>
-                  </a:tcPr>
-                </a:tc>
-                <a:extLst>
-                  <a:ext uri="{0D108BD9-81ED-4DB2-BD59-A6C34878D82A}">
-                    <a16:rowId xmlns:a16="http://schemas.microsoft.com/office/drawing/2014/main" xmlns="" val="1847556386"/>
-                  </a:ext>
-                </a:extLst>
-              </a:tr>
-            </a:tbl>
-          </a:graphicData>
-        </a:graphic>
-      </p:graphicFrame>
-      <p:graphicFrame>
-        <p:nvGraphicFramePr>
-          <p:cNvPr id="8" name="Table 7">
-            <a:extLst>
-              <a:ext uri="{FF2B5EF4-FFF2-40B4-BE49-F238E27FC236}">
-                <a16:creationId xmlns:a16="http://schemas.microsoft.com/office/drawing/2014/main" xmlns="" id="{785F6934-AF55-A340-83C7-0E560993B147}"/>
-              </a:ext>
-            </a:extLst>
-          </p:cNvPr>
-          <p:cNvGraphicFramePr>
-            <a:graphicFrameLocks noGrp="1"/>
-          </p:cNvGraphicFramePr>
-          <p:nvPr>
-            <p:extLst>
-              <p:ext uri="{D42A27DB-BD31-4B8C-83A1-F6EECF244321}">
-                <p14:modId xmlns:p14="http://schemas.microsoft.com/office/powerpoint/2010/main" val="4085468983"/>
-              </p:ext>
-            </p:extLst>
-          </p:nvPr>
-        </p:nvGraphicFramePr>
-        <p:xfrm>
-          <a:off x="387964" y="601025"/>
-          <a:ext cx="2804843" cy="1743261"/>
-        </p:xfrm>
-        <a:graphic>
-          <a:graphicData uri="http://schemas.openxmlformats.org/drawingml/2006/table">
-            <a:tbl>
-              <a:tblPr firstRow="1" bandRow="1">
-                <a:tableStyleId>{5A111915-BE36-4E01-A7E5-04B1672EAD32}</a:tableStyleId>
-              </a:tblPr>
-              <a:tblGrid>
-                <a:gridCol w="644843">
-                  <a:extLst>
-                    <a:ext uri="{9D8B030D-6E8A-4147-A177-3AD203B41FA5}">
-                      <a16:colId xmlns:a16="http://schemas.microsoft.com/office/drawing/2014/main" xmlns="" val="1713275409"/>
-                    </a:ext>
-                  </a:extLst>
-                </a:gridCol>
-                <a:gridCol w="612000">
-                  <a:extLst>
-                    <a:ext uri="{9D8B030D-6E8A-4147-A177-3AD203B41FA5}">
-                      <a16:colId xmlns:a16="http://schemas.microsoft.com/office/drawing/2014/main" xmlns="" val="1897287602"/>
-                    </a:ext>
-                  </a:extLst>
-                </a:gridCol>
-                <a:gridCol w="1548000">
-                  <a:extLst>
-                    <a:ext uri="{9D8B030D-6E8A-4147-A177-3AD203B41FA5}">
-                      <a16:colId xmlns:a16="http://schemas.microsoft.com/office/drawing/2014/main" xmlns="" val="2795947963"/>
-                    </a:ext>
-                  </a:extLst>
-                </a:gridCol>
-              </a:tblGrid>
-              <a:tr h="453562">
-                <a:tc>
-                  <a:txBody>
-                    <a:bodyPr/>
-                    <a:lstStyle/>
-                    <a:p>
-                      <a:r>
-                        <a:rPr lang="en-AU" sz="1200" dirty="0" smtClean="0"/>
-                        <a:t>sensor</a:t>
-                      </a:r>
-                      <a:endParaRPr lang="en-AU" sz="1200" dirty="0"/>
-                    </a:p>
-                  </a:txBody>
-                  <a:tcPr>
-                    <a:lnL w="28575" cap="flat" cmpd="sng" algn="ctr">
-                      <a:solidFill>
-                        <a:schemeClr val="accent5"/>
-                      </a:solidFill>
-                      <a:prstDash val="solid"/>
-                      <a:round/>
-                      <a:headEnd type="none" w="med" len="med"/>
-                      <a:tailEnd type="none" w="med" len="med"/>
-                    </a:lnL>
-                    <a:lnR w="28575" cap="flat" cmpd="sng" algn="ctr">
-                      <a:solidFill>
-                        <a:schemeClr val="bg1"/>
-                      </a:solidFill>
-                      <a:prstDash val="solid"/>
-                      <a:round/>
-                      <a:headEnd type="none" w="med" len="med"/>
-                      <a:tailEnd type="none" w="med" len="med"/>
-                    </a:lnR>
-                    <a:lnT w="28575" cap="flat" cmpd="sng" algn="ctr">
-                      <a:solidFill>
-                        <a:schemeClr val="accent5"/>
-                      </a:solidFill>
-                      <a:prstDash val="solid"/>
-                      <a:round/>
-                      <a:headEnd type="none" w="med" len="med"/>
-                      <a:tailEnd type="none" w="med" len="med"/>
-                    </a:lnT>
-                    <a:lnB w="28575" cap="flat" cmpd="sng" algn="ctr">
-                      <a:solidFill>
-                        <a:schemeClr val="accent5"/>
-                      </a:solidFill>
-                      <a:prstDash val="solid"/>
-                      <a:round/>
-                      <a:headEnd type="none" w="med" len="med"/>
-                      <a:tailEnd type="none" w="med" len="med"/>
-                    </a:lnB>
-                  </a:tcPr>
-                </a:tc>
-                <a:tc>
-                  <a:txBody>
-                    <a:bodyPr/>
-                    <a:lstStyle/>
-                    <a:p>
-                      <a:r>
-                        <a:rPr lang="en-AU" sz="1200" dirty="0" smtClean="0"/>
-                        <a:t>height</a:t>
-                      </a:r>
-                      <a:endParaRPr lang="en-AU" sz="1200" dirty="0"/>
-                    </a:p>
-                  </a:txBody>
-                  <a:tcPr>
-                    <a:lnL w="28575" cap="flat" cmpd="sng" algn="ctr">
-                      <a:solidFill>
-                        <a:schemeClr val="bg1"/>
-                      </a:solidFill>
-                      <a:prstDash val="solid"/>
-                      <a:round/>
-                      <a:headEnd type="none" w="med" len="med"/>
-                      <a:tailEnd type="none" w="med" len="med"/>
-                    </a:lnL>
-                    <a:lnR w="28575" cap="flat" cmpd="sng" algn="ctr">
-                      <a:solidFill>
-                        <a:schemeClr val="bg1"/>
-                      </a:solidFill>
-                      <a:prstDash val="solid"/>
-                      <a:round/>
-                      <a:headEnd type="none" w="med" len="med"/>
-                      <a:tailEnd type="none" w="med" len="med"/>
-                    </a:lnR>
-                    <a:lnT w="28575" cap="flat" cmpd="sng" algn="ctr">
-                      <a:solidFill>
-                        <a:schemeClr val="accent5"/>
-                      </a:solidFill>
-                      <a:prstDash val="solid"/>
-                      <a:round/>
-                      <a:headEnd type="none" w="med" len="med"/>
-                      <a:tailEnd type="none" w="med" len="med"/>
-                    </a:lnT>
-                    <a:lnB w="28575" cap="flat" cmpd="sng" algn="ctr">
-                      <a:solidFill>
-                        <a:schemeClr val="accent5"/>
-                      </a:solidFill>
-                      <a:prstDash val="solid"/>
-                      <a:round/>
-                      <a:headEnd type="none" w="med" len="med"/>
-                      <a:tailEnd type="none" w="med" len="med"/>
-                    </a:lnB>
-                  </a:tcPr>
-                </a:tc>
-                <a:tc>
-                  <a:txBody>
-                    <a:bodyPr/>
-                    <a:lstStyle/>
-                    <a:p>
-                      <a:r>
-                        <a:rPr lang="en-AU" sz="1200" dirty="0" smtClean="0"/>
-                        <a:t>date-time</a:t>
-                      </a:r>
-                      <a:endParaRPr lang="en-AU" sz="1200" dirty="0"/>
-                    </a:p>
-                  </a:txBody>
-                  <a:tcPr>
-                    <a:lnL w="28575" cap="flat" cmpd="sng" algn="ctr">
-                      <a:solidFill>
-                        <a:schemeClr val="bg1"/>
-                      </a:solidFill>
-                      <a:prstDash val="solid"/>
-                      <a:round/>
-                      <a:headEnd type="none" w="med" len="med"/>
-                      <a:tailEnd type="none" w="med" len="med"/>
-                    </a:lnL>
-                    <a:lnR w="28575" cap="flat" cmpd="sng" algn="ctr">
-                      <a:solidFill>
-                        <a:schemeClr val="accent5"/>
-                      </a:solidFill>
-                      <a:prstDash val="solid"/>
-                      <a:round/>
-                      <a:headEnd type="none" w="med" len="med"/>
-                      <a:tailEnd type="none" w="med" len="med"/>
-                    </a:lnR>
-                    <a:lnT w="28575" cap="flat" cmpd="sng" algn="ctr">
-                      <a:solidFill>
-                        <a:schemeClr val="accent5"/>
-                      </a:solidFill>
-                      <a:prstDash val="solid"/>
-                      <a:round/>
-                      <a:headEnd type="none" w="med" len="med"/>
-                      <a:tailEnd type="none" w="med" len="med"/>
-                    </a:lnT>
-                    <a:lnB w="28575" cap="flat" cmpd="sng" algn="ctr">
-                      <a:solidFill>
-                        <a:schemeClr val="accent5"/>
-                      </a:solidFill>
-                      <a:prstDash val="solid"/>
-                      <a:round/>
-                      <a:headEnd type="none" w="med" len="med"/>
-                      <a:tailEnd type="none" w="med" len="med"/>
-                    </a:lnB>
-                  </a:tcPr>
-                </a:tc>
-                <a:extLst>
-                  <a:ext uri="{0D108BD9-81ED-4DB2-BD59-A6C34878D82A}">
-                    <a16:rowId xmlns:a16="http://schemas.microsoft.com/office/drawing/2014/main" xmlns="" val="3020429315"/>
-                  </a:ext>
-                </a:extLst>
-              </a:tr>
-              <a:tr h="283859">
-                <a:tc>
-                  <a:txBody>
-                    <a:bodyPr/>
-                    <a:lstStyle/>
-                    <a:p>
-                      <a:r>
-                        <a:rPr lang="en-AU" sz="1050" dirty="0"/>
-                        <a:t>001</a:t>
-                      </a:r>
-                    </a:p>
-                  </a:txBody>
-                  <a:tcPr>
-                    <a:lnL w="28575" cap="flat" cmpd="sng" algn="ctr">
-                      <a:solidFill>
-                        <a:schemeClr val="accent5"/>
-                      </a:solidFill>
-                      <a:prstDash val="solid"/>
-                      <a:round/>
-                      <a:headEnd type="none" w="med" len="med"/>
-                      <a:tailEnd type="none" w="med" len="med"/>
-                    </a:lnL>
-                    <a:lnR w="28575" cap="flat" cmpd="sng" algn="ctr">
-                      <a:solidFill>
-                        <a:schemeClr val="accent5"/>
-                      </a:solidFill>
-                      <a:prstDash val="solid"/>
-                      <a:round/>
-                      <a:headEnd type="none" w="med" len="med"/>
-                      <a:tailEnd type="none" w="med" len="med"/>
-                    </a:lnR>
-                    <a:lnT w="28575" cap="flat" cmpd="sng" algn="ctr">
-                      <a:solidFill>
-                        <a:schemeClr val="accent5"/>
-                      </a:solidFill>
-                      <a:prstDash val="solid"/>
-                      <a:round/>
-                      <a:headEnd type="none" w="med" len="med"/>
-                      <a:tailEnd type="none" w="med" len="med"/>
-                    </a:lnT>
-                    <a:lnB w="28575" cap="flat" cmpd="sng" algn="ctr">
-                      <a:solidFill>
-                        <a:schemeClr val="accent5"/>
-                      </a:solidFill>
-                      <a:prstDash val="solid"/>
-                      <a:round/>
-                      <a:headEnd type="none" w="med" len="med"/>
-                      <a:tailEnd type="none" w="med" len="med"/>
-                    </a:lnB>
-                  </a:tcPr>
-                </a:tc>
-                <a:tc>
-                  <a:txBody>
-                    <a:bodyPr/>
-                    <a:lstStyle/>
-                    <a:p>
-                      <a:r>
-                        <a:rPr lang="en-AU" sz="1050" dirty="0"/>
-                        <a:t>1.23</a:t>
-                      </a:r>
-                    </a:p>
-                  </a:txBody>
-                  <a:tcPr>
-                    <a:lnL w="28575" cap="flat" cmpd="sng" algn="ctr">
-                      <a:solidFill>
-                        <a:schemeClr val="accent5"/>
-                      </a:solidFill>
-                      <a:prstDash val="solid"/>
-                      <a:round/>
-                      <a:headEnd type="none" w="med" len="med"/>
-                      <a:tailEnd type="none" w="med" len="med"/>
-                    </a:lnL>
-                    <a:lnR w="28575" cap="flat" cmpd="sng" algn="ctr">
-                      <a:solidFill>
-                        <a:schemeClr val="accent5"/>
-                      </a:solidFill>
-                      <a:prstDash val="solid"/>
-                      <a:round/>
-                      <a:headEnd type="none" w="med" len="med"/>
-                      <a:tailEnd type="none" w="med" len="med"/>
-                    </a:lnR>
-                    <a:lnT w="28575" cap="flat" cmpd="sng" algn="ctr">
-                      <a:solidFill>
-                        <a:schemeClr val="accent5"/>
-                      </a:solidFill>
-                      <a:prstDash val="solid"/>
-                      <a:round/>
-                      <a:headEnd type="none" w="med" len="med"/>
-                      <a:tailEnd type="none" w="med" len="med"/>
-                    </a:lnT>
-                    <a:lnB w="28575" cap="flat" cmpd="sng" algn="ctr">
-                      <a:solidFill>
-                        <a:schemeClr val="accent5"/>
-                      </a:solidFill>
-                      <a:prstDash val="solid"/>
-                      <a:round/>
-                      <a:headEnd type="none" w="med" len="med"/>
-                      <a:tailEnd type="none" w="med" len="med"/>
-                    </a:lnB>
-                  </a:tcPr>
-                </a:tc>
-                <a:tc>
-                  <a:txBody>
-                    <a:bodyPr/>
-                    <a:lstStyle/>
-                    <a:p>
-                      <a:r>
-                        <a:rPr lang="en-AU" sz="1050" dirty="0"/>
-                        <a:t>2018-01-22T13:00:00</a:t>
-                      </a:r>
-                    </a:p>
-                  </a:txBody>
-                  <a:tcPr>
-                    <a:lnL w="28575" cap="flat" cmpd="sng" algn="ctr">
-                      <a:solidFill>
-                        <a:schemeClr val="accent5"/>
-                      </a:solidFill>
-                      <a:prstDash val="solid"/>
-                      <a:round/>
-                      <a:headEnd type="none" w="med" len="med"/>
-                      <a:tailEnd type="none" w="med" len="med"/>
-                    </a:lnL>
-                    <a:lnR w="28575" cap="flat" cmpd="sng" algn="ctr">
-                      <a:solidFill>
-                        <a:schemeClr val="accent5"/>
-                      </a:solidFill>
-                      <a:prstDash val="solid"/>
-                      <a:round/>
-                      <a:headEnd type="none" w="med" len="med"/>
-                      <a:tailEnd type="none" w="med" len="med"/>
-                    </a:lnR>
-                    <a:lnT w="28575" cap="flat" cmpd="sng" algn="ctr">
-                      <a:solidFill>
-                        <a:schemeClr val="accent5"/>
-                      </a:solidFill>
-                      <a:prstDash val="solid"/>
-                      <a:round/>
-                      <a:headEnd type="none" w="med" len="med"/>
-                      <a:tailEnd type="none" w="med" len="med"/>
-                    </a:lnT>
-                    <a:lnB w="28575" cap="flat" cmpd="sng" algn="ctr">
-                      <a:solidFill>
-                        <a:schemeClr val="accent5"/>
-                      </a:solidFill>
-                      <a:prstDash val="solid"/>
-                      <a:round/>
-                      <a:headEnd type="none" w="med" len="med"/>
-                      <a:tailEnd type="none" w="med" len="med"/>
-                    </a:lnB>
-                  </a:tcPr>
-                </a:tc>
-                <a:extLst>
-                  <a:ext uri="{0D108BD9-81ED-4DB2-BD59-A6C34878D82A}">
-                    <a16:rowId xmlns:a16="http://schemas.microsoft.com/office/drawing/2014/main" xmlns="" val="2811010025"/>
-                  </a:ext>
-                </a:extLst>
-              </a:tr>
-              <a:tr h="0">
-                <a:tc>
-                  <a:txBody>
-                    <a:bodyPr/>
-                    <a:lstStyle/>
-                    <a:p>
-                      <a:r>
-                        <a:rPr lang="en-AU" sz="1050" dirty="0"/>
-                        <a:t>001</a:t>
-                      </a:r>
-                    </a:p>
-                  </a:txBody>
-                  <a:tcPr>
-                    <a:lnL w="28575" cap="flat" cmpd="sng" algn="ctr">
-                      <a:solidFill>
-                        <a:schemeClr val="accent5"/>
-                      </a:solidFill>
-                      <a:prstDash val="solid"/>
-                      <a:round/>
-                      <a:headEnd type="none" w="med" len="med"/>
-                      <a:tailEnd type="none" w="med" len="med"/>
-                    </a:lnL>
-                    <a:lnR w="28575" cap="flat" cmpd="sng" algn="ctr">
-                      <a:solidFill>
-                        <a:schemeClr val="accent5"/>
-                      </a:solidFill>
-                      <a:prstDash val="solid"/>
-                      <a:round/>
-                      <a:headEnd type="none" w="med" len="med"/>
-                      <a:tailEnd type="none" w="med" len="med"/>
-                    </a:lnR>
-                    <a:lnT w="28575" cap="flat" cmpd="sng" algn="ctr">
-                      <a:solidFill>
-                        <a:schemeClr val="accent5"/>
-                      </a:solidFill>
-                      <a:prstDash val="solid"/>
-                      <a:round/>
-                      <a:headEnd type="none" w="med" len="med"/>
-                      <a:tailEnd type="none" w="med" len="med"/>
-                    </a:lnT>
-                    <a:lnB w="28575" cap="flat" cmpd="sng" algn="ctr">
-                      <a:solidFill>
-                        <a:schemeClr val="accent5"/>
-                      </a:solidFill>
-                      <a:prstDash val="solid"/>
-                      <a:round/>
-                      <a:headEnd type="none" w="med" len="med"/>
-                      <a:tailEnd type="none" w="med" len="med"/>
-                    </a:lnB>
-                  </a:tcPr>
-                </a:tc>
-                <a:tc>
-                  <a:txBody>
-                    <a:bodyPr/>
-                    <a:lstStyle/>
-                    <a:p>
-                      <a:r>
-                        <a:rPr lang="en-AU" sz="1050" dirty="0"/>
-                        <a:t>1.24</a:t>
-                      </a:r>
-                    </a:p>
-                  </a:txBody>
-                  <a:tcPr>
-                    <a:lnL w="28575" cap="flat" cmpd="sng" algn="ctr">
-                      <a:solidFill>
-                        <a:schemeClr val="accent5"/>
-                      </a:solidFill>
-                      <a:prstDash val="solid"/>
-                      <a:round/>
-                      <a:headEnd type="none" w="med" len="med"/>
-                      <a:tailEnd type="none" w="med" len="med"/>
-                    </a:lnL>
-                    <a:lnR w="28575" cap="flat" cmpd="sng" algn="ctr">
-                      <a:solidFill>
-                        <a:schemeClr val="accent5"/>
-                      </a:solidFill>
-                      <a:prstDash val="solid"/>
-                      <a:round/>
-                      <a:headEnd type="none" w="med" len="med"/>
-                      <a:tailEnd type="none" w="med" len="med"/>
-                    </a:lnR>
-                    <a:lnT w="28575" cap="flat" cmpd="sng" algn="ctr">
-                      <a:solidFill>
-                        <a:schemeClr val="accent5"/>
-                      </a:solidFill>
-                      <a:prstDash val="solid"/>
-                      <a:round/>
-                      <a:headEnd type="none" w="med" len="med"/>
-                      <a:tailEnd type="none" w="med" len="med"/>
-                    </a:lnT>
-                    <a:lnB w="28575" cap="flat" cmpd="sng" algn="ctr">
-                      <a:solidFill>
-                        <a:schemeClr val="accent5"/>
-                      </a:solidFill>
-                      <a:prstDash val="solid"/>
-                      <a:round/>
-                      <a:headEnd type="none" w="med" len="med"/>
-                      <a:tailEnd type="none" w="med" len="med"/>
-                    </a:lnB>
-                  </a:tcPr>
-                </a:tc>
-                <a:tc>
-                  <a:txBody>
-                    <a:bodyPr/>
-                    <a:lstStyle/>
-                    <a:p>
-                      <a:r>
-                        <a:rPr lang="en-AU" sz="1050" dirty="0"/>
-                        <a:t>2018-01-22T14:00:00</a:t>
-                      </a:r>
-                    </a:p>
-                  </a:txBody>
-                  <a:tcPr>
-                    <a:lnL w="28575" cap="flat" cmpd="sng" algn="ctr">
-                      <a:solidFill>
-                        <a:schemeClr val="accent5"/>
-                      </a:solidFill>
-                      <a:prstDash val="solid"/>
-                      <a:round/>
-                      <a:headEnd type="none" w="med" len="med"/>
-                      <a:tailEnd type="none" w="med" len="med"/>
-                    </a:lnL>
-                    <a:lnR w="28575" cap="flat" cmpd="sng" algn="ctr">
-                      <a:solidFill>
-                        <a:schemeClr val="accent5"/>
-                      </a:solidFill>
-                      <a:prstDash val="solid"/>
-                      <a:round/>
-                      <a:headEnd type="none" w="med" len="med"/>
-                      <a:tailEnd type="none" w="med" len="med"/>
-                    </a:lnR>
-                    <a:lnT w="28575" cap="flat" cmpd="sng" algn="ctr">
-                      <a:solidFill>
-                        <a:schemeClr val="accent5"/>
-                      </a:solidFill>
-                      <a:prstDash val="solid"/>
-                      <a:round/>
-                      <a:headEnd type="none" w="med" len="med"/>
-                      <a:tailEnd type="none" w="med" len="med"/>
-                    </a:lnT>
-                    <a:lnB w="28575" cap="flat" cmpd="sng" algn="ctr">
-                      <a:solidFill>
-                        <a:schemeClr val="accent5"/>
-                      </a:solidFill>
-                      <a:prstDash val="solid"/>
-                      <a:round/>
-                      <a:headEnd type="none" w="med" len="med"/>
-                      <a:tailEnd type="none" w="med" len="med"/>
-                    </a:lnB>
-                  </a:tcPr>
-                </a:tc>
-                <a:extLst>
-                  <a:ext uri="{0D108BD9-81ED-4DB2-BD59-A6C34878D82A}">
-                    <a16:rowId xmlns:a16="http://schemas.microsoft.com/office/drawing/2014/main" xmlns="" val="770099115"/>
-                  </a:ext>
-                </a:extLst>
-              </a:tr>
-              <a:tr h="141930">
-                <a:tc>
-                  <a:txBody>
-                    <a:bodyPr/>
-                    <a:lstStyle/>
-                    <a:p>
-                      <a:r>
-                        <a:rPr lang="en-AU" sz="1050" dirty="0"/>
-                        <a:t>001</a:t>
-                      </a:r>
-                    </a:p>
-                  </a:txBody>
-                  <a:tcPr>
-                    <a:lnL w="28575" cap="flat" cmpd="sng" algn="ctr">
-                      <a:solidFill>
-                        <a:schemeClr val="accent5"/>
-                      </a:solidFill>
-                      <a:prstDash val="solid"/>
-                      <a:round/>
-                      <a:headEnd type="none" w="med" len="med"/>
-                      <a:tailEnd type="none" w="med" len="med"/>
-                    </a:lnL>
-                    <a:lnR w="28575" cap="flat" cmpd="sng" algn="ctr">
-                      <a:solidFill>
-                        <a:schemeClr val="accent5"/>
-                      </a:solidFill>
-                      <a:prstDash val="solid"/>
-                      <a:round/>
-                      <a:headEnd type="none" w="med" len="med"/>
-                      <a:tailEnd type="none" w="med" len="med"/>
-                    </a:lnR>
-                    <a:lnT w="28575" cap="flat" cmpd="sng" algn="ctr">
-                      <a:solidFill>
-                        <a:schemeClr val="accent5"/>
-                      </a:solidFill>
-                      <a:prstDash val="solid"/>
-                      <a:round/>
-                      <a:headEnd type="none" w="med" len="med"/>
-                      <a:tailEnd type="none" w="med" len="med"/>
-                    </a:lnT>
-                    <a:lnB w="28575" cap="flat" cmpd="sng" algn="ctr">
-                      <a:solidFill>
-                        <a:schemeClr val="accent5"/>
-                      </a:solidFill>
-                      <a:prstDash val="solid"/>
-                      <a:round/>
-                      <a:headEnd type="none" w="med" len="med"/>
-                      <a:tailEnd type="none" w="med" len="med"/>
-                    </a:lnB>
-                  </a:tcPr>
-                </a:tc>
-                <a:tc>
-                  <a:txBody>
-                    <a:bodyPr/>
-                    <a:lstStyle/>
-                    <a:p>
-                      <a:r>
-                        <a:rPr lang="en-AU" sz="1050" dirty="0"/>
-                        <a:t>1.26</a:t>
-                      </a:r>
-                    </a:p>
-                  </a:txBody>
-                  <a:tcPr>
-                    <a:lnL w="28575" cap="flat" cmpd="sng" algn="ctr">
-                      <a:solidFill>
-                        <a:schemeClr val="accent5"/>
-                      </a:solidFill>
-                      <a:prstDash val="solid"/>
-                      <a:round/>
-                      <a:headEnd type="none" w="med" len="med"/>
-                      <a:tailEnd type="none" w="med" len="med"/>
-                    </a:lnL>
-                    <a:lnR w="28575" cap="flat" cmpd="sng" algn="ctr">
-                      <a:solidFill>
-                        <a:schemeClr val="accent5"/>
-                      </a:solidFill>
-                      <a:prstDash val="solid"/>
-                      <a:round/>
-                      <a:headEnd type="none" w="med" len="med"/>
-                      <a:tailEnd type="none" w="med" len="med"/>
-                    </a:lnR>
-                    <a:lnT w="28575" cap="flat" cmpd="sng" algn="ctr">
-                      <a:solidFill>
-                        <a:schemeClr val="accent5"/>
-                      </a:solidFill>
-                      <a:prstDash val="solid"/>
-                      <a:round/>
-                      <a:headEnd type="none" w="med" len="med"/>
-                      <a:tailEnd type="none" w="med" len="med"/>
-                    </a:lnT>
-                    <a:lnB w="28575" cap="flat" cmpd="sng" algn="ctr">
-                      <a:solidFill>
-                        <a:schemeClr val="accent5"/>
-                      </a:solidFill>
-                      <a:prstDash val="solid"/>
-                      <a:round/>
-                      <a:headEnd type="none" w="med" len="med"/>
-                      <a:tailEnd type="none" w="med" len="med"/>
-                    </a:lnB>
-                  </a:tcPr>
-                </a:tc>
-                <a:tc>
-                  <a:txBody>
-                    <a:bodyPr/>
-                    <a:lstStyle/>
-                    <a:p>
-                      <a:r>
-                        <a:rPr lang="en-AU" sz="1050" dirty="0"/>
-                        <a:t>2018-01-22T15:00:00</a:t>
-                      </a:r>
-                    </a:p>
-                  </a:txBody>
-                  <a:tcPr>
-                    <a:lnL w="28575" cap="flat" cmpd="sng" algn="ctr">
-                      <a:solidFill>
-                        <a:schemeClr val="accent5"/>
-                      </a:solidFill>
-                      <a:prstDash val="solid"/>
-                      <a:round/>
-                      <a:headEnd type="none" w="med" len="med"/>
-                      <a:tailEnd type="none" w="med" len="med"/>
-                    </a:lnL>
-                    <a:lnR w="28575" cap="flat" cmpd="sng" algn="ctr">
-                      <a:solidFill>
-                        <a:schemeClr val="accent5"/>
-                      </a:solidFill>
-                      <a:prstDash val="solid"/>
-                      <a:round/>
-                      <a:headEnd type="none" w="med" len="med"/>
-                      <a:tailEnd type="none" w="med" len="med"/>
-                    </a:lnR>
-                    <a:lnT w="28575" cap="flat" cmpd="sng" algn="ctr">
-                      <a:solidFill>
-                        <a:schemeClr val="accent5"/>
-                      </a:solidFill>
-                      <a:prstDash val="solid"/>
-                      <a:round/>
-                      <a:headEnd type="none" w="med" len="med"/>
-                      <a:tailEnd type="none" w="med" len="med"/>
-                    </a:lnT>
-                    <a:lnB w="28575" cap="flat" cmpd="sng" algn="ctr">
-                      <a:solidFill>
-                        <a:schemeClr val="accent5"/>
-                      </a:solidFill>
-                      <a:prstDash val="solid"/>
-                      <a:round/>
-                      <a:headEnd type="none" w="med" len="med"/>
-                      <a:tailEnd type="none" w="med" len="med"/>
-                    </a:lnB>
-                  </a:tcPr>
-                </a:tc>
-                <a:extLst>
-                  <a:ext uri="{0D108BD9-81ED-4DB2-BD59-A6C34878D82A}">
-                    <a16:rowId xmlns:a16="http://schemas.microsoft.com/office/drawing/2014/main" xmlns="" val="1518239702"/>
-                  </a:ext>
-                </a:extLst>
-              </a:tr>
-              <a:tr h="141930">
-                <a:tc>
-                  <a:txBody>
-                    <a:bodyPr/>
-                    <a:lstStyle/>
-                    <a:p>
-                      <a:r>
-                        <a:rPr lang="en-AU" sz="1050" dirty="0"/>
-                        <a:t>002</a:t>
-                      </a:r>
-                    </a:p>
-                  </a:txBody>
-                  <a:tcPr>
-                    <a:lnL w="28575" cap="flat" cmpd="sng" algn="ctr">
-                      <a:solidFill>
-                        <a:schemeClr val="accent5"/>
-                      </a:solidFill>
-                      <a:prstDash val="solid"/>
-                      <a:round/>
-                      <a:headEnd type="none" w="med" len="med"/>
-                      <a:tailEnd type="none" w="med" len="med"/>
-                    </a:lnL>
-                    <a:lnR w="28575" cap="flat" cmpd="sng" algn="ctr">
-                      <a:solidFill>
-                        <a:schemeClr val="accent5"/>
-                      </a:solidFill>
-                      <a:prstDash val="solid"/>
-                      <a:round/>
-                      <a:headEnd type="none" w="med" len="med"/>
-                      <a:tailEnd type="none" w="med" len="med"/>
-                    </a:lnR>
-                    <a:lnT w="28575" cap="flat" cmpd="sng" algn="ctr">
-                      <a:solidFill>
-                        <a:schemeClr val="accent5"/>
-                      </a:solidFill>
-                      <a:prstDash val="solid"/>
-                      <a:round/>
-                      <a:headEnd type="none" w="med" len="med"/>
-                      <a:tailEnd type="none" w="med" len="med"/>
-                    </a:lnT>
-                    <a:lnB w="28575" cap="flat" cmpd="sng" algn="ctr">
-                      <a:solidFill>
-                        <a:schemeClr val="accent5"/>
-                      </a:solidFill>
-                      <a:prstDash val="solid"/>
-                      <a:round/>
-                      <a:headEnd type="none" w="med" len="med"/>
-                      <a:tailEnd type="none" w="med" len="med"/>
-                    </a:lnB>
-                  </a:tcPr>
-                </a:tc>
-                <a:tc>
-                  <a:txBody>
-                    <a:bodyPr/>
-                    <a:lstStyle/>
-                    <a:p>
-                      <a:r>
-                        <a:rPr lang="en-AU" sz="1050" dirty="0"/>
-                        <a:t>2.54</a:t>
-                      </a:r>
-                    </a:p>
-                  </a:txBody>
-                  <a:tcPr>
-                    <a:lnL w="28575" cap="flat" cmpd="sng" algn="ctr">
-                      <a:solidFill>
-                        <a:schemeClr val="accent5"/>
-                      </a:solidFill>
-                      <a:prstDash val="solid"/>
-                      <a:round/>
-                      <a:headEnd type="none" w="med" len="med"/>
-                      <a:tailEnd type="none" w="med" len="med"/>
-                    </a:lnL>
-                    <a:lnR w="28575" cap="flat" cmpd="sng" algn="ctr">
-                      <a:solidFill>
-                        <a:schemeClr val="accent5"/>
-                      </a:solidFill>
-                      <a:prstDash val="solid"/>
-                      <a:round/>
-                      <a:headEnd type="none" w="med" len="med"/>
-                      <a:tailEnd type="none" w="med" len="med"/>
-                    </a:lnR>
-                    <a:lnT w="28575" cap="flat" cmpd="sng" algn="ctr">
-                      <a:solidFill>
-                        <a:schemeClr val="accent5"/>
-                      </a:solidFill>
-                      <a:prstDash val="solid"/>
-                      <a:round/>
-                      <a:headEnd type="none" w="med" len="med"/>
-                      <a:tailEnd type="none" w="med" len="med"/>
-                    </a:lnT>
-                    <a:lnB w="28575" cap="flat" cmpd="sng" algn="ctr">
-                      <a:solidFill>
-                        <a:schemeClr val="accent5"/>
                       </a:solidFill>
                       <a:prstDash val="solid"/>
                       <a:round/>
@@ -6742,7 +5742,7 @@
                   <a:tcPr>
                     <a:lnL w="28575" cap="flat" cmpd="sng" algn="ctr">
                       <a:solidFill>
-                        <a:schemeClr val="accent5"/>
+                        <a:schemeClr val="accent2"/>
                       </a:solidFill>
                       <a:prstDash val="solid"/>
                       <a:round/>
@@ -6751,7 +5751,7 @@
                     </a:lnL>
                     <a:lnR w="28575" cap="flat" cmpd="sng" algn="ctr">
                       <a:solidFill>
-                        <a:schemeClr val="accent5"/>
+                        <a:schemeClr val="accent2"/>
                       </a:solidFill>
                       <a:prstDash val="solid"/>
                       <a:round/>
@@ -6760,7 +5760,7 @@
                     </a:lnR>
                     <a:lnT w="28575" cap="flat" cmpd="sng" algn="ctr">
                       <a:solidFill>
-                        <a:schemeClr val="accent5"/>
+                        <a:schemeClr val="accent2"/>
                       </a:solidFill>
                       <a:prstDash val="solid"/>
                       <a:round/>
@@ -6769,7 +5769,54 @@
                     </a:lnT>
                     <a:lnB w="28575" cap="flat" cmpd="sng" algn="ctr">
                       <a:solidFill>
-                        <a:schemeClr val="accent5"/>
+                        <a:schemeClr val="accent2"/>
+                      </a:solidFill>
+                      <a:prstDash val="solid"/>
+                      <a:round/>
+                      <a:headEnd type="none" w="med" len="med"/>
+                      <a:tailEnd type="none" w="med" len="med"/>
+                    </a:lnB>
+                  </a:tcPr>
+                </a:tc>
+                <a:tc>
+                  <a:txBody>
+                    <a:bodyPr/>
+                    <a:lstStyle/>
+                    <a:p>
+                      <a:endParaRPr lang="en-AU" sz="1050" dirty="0"/>
+                    </a:p>
+                  </a:txBody>
+                  <a:tcPr>
+                    <a:lnL w="28575" cap="flat" cmpd="sng" algn="ctr">
+                      <a:solidFill>
+                        <a:schemeClr val="accent2"/>
+                      </a:solidFill>
+                      <a:prstDash val="solid"/>
+                      <a:round/>
+                      <a:headEnd type="none" w="med" len="med"/>
+                      <a:tailEnd type="none" w="med" len="med"/>
+                    </a:lnL>
+                    <a:lnR w="28575" cap="flat" cmpd="sng" algn="ctr">
+                      <a:solidFill>
+                        <a:schemeClr val="accent2"/>
+                      </a:solidFill>
+                      <a:prstDash val="solid"/>
+                      <a:round/>
+                      <a:headEnd type="none" w="med" len="med"/>
+                      <a:tailEnd type="none" w="med" len="med"/>
+                    </a:lnR>
+                    <a:lnT w="28575" cap="flat" cmpd="sng" algn="ctr">
+                      <a:solidFill>
+                        <a:schemeClr val="accent2"/>
+                      </a:solidFill>
+                      <a:prstDash val="solid"/>
+                      <a:round/>
+                      <a:headEnd type="none" w="med" len="med"/>
+                      <a:tailEnd type="none" w="med" len="med"/>
+                    </a:lnT>
+                    <a:lnB w="28575" cap="flat" cmpd="sng" algn="ctr">
+                      <a:solidFill>
+                        <a:schemeClr val="accent2"/>
                       </a:solidFill>
                       <a:prstDash val="solid"/>
                       <a:round/>
@@ -6780,7 +5827,866 @@
                 </a:tc>
                 <a:extLst>
                   <a:ext uri="{0D108BD9-81ED-4DB2-BD59-A6C34878D82A}">
-                    <a16:rowId xmlns:a16="http://schemas.microsoft.com/office/drawing/2014/main" xmlns="" val="2710495135"/>
+                    <a16:rowId xmlns:a16="http://schemas.microsoft.com/office/drawing/2014/main" val="1847556386"/>
+                  </a:ext>
+                </a:extLst>
+              </a:tr>
+            </a:tbl>
+          </a:graphicData>
+        </a:graphic>
+      </p:graphicFrame>
+      <p:graphicFrame>
+        <p:nvGraphicFramePr>
+          <p:cNvPr id="8" name="Table 7">
+            <a:extLst>
+              <a:ext uri="{FF2B5EF4-FFF2-40B4-BE49-F238E27FC236}">
+                <a16:creationId xmlns:a16="http://schemas.microsoft.com/office/drawing/2014/main" id="{785F6934-AF55-A340-83C7-0E560993B147}"/>
+              </a:ext>
+            </a:extLst>
+          </p:cNvPr>
+          <p:cNvGraphicFramePr>
+            <a:graphicFrameLocks noGrp="1"/>
+          </p:cNvGraphicFramePr>
+          <p:nvPr>
+            <p:extLst>
+              <p:ext uri="{D42A27DB-BD31-4B8C-83A1-F6EECF244321}">
+                <p14:modId xmlns:p14="http://schemas.microsoft.com/office/powerpoint/2010/main" val="4085468983"/>
+              </p:ext>
+            </p:extLst>
+          </p:nvPr>
+        </p:nvGraphicFramePr>
+        <p:xfrm>
+          <a:off x="387964" y="601025"/>
+          <a:ext cx="2804843" cy="1743261"/>
+        </p:xfrm>
+        <a:graphic>
+          <a:graphicData uri="http://schemas.openxmlformats.org/drawingml/2006/table">
+            <a:tbl>
+              <a:tblPr firstRow="1" bandRow="1">
+                <a:tableStyleId>{5A111915-BE36-4E01-A7E5-04B1672EAD32}</a:tableStyleId>
+              </a:tblPr>
+              <a:tblGrid>
+                <a:gridCol w="644843">
+                  <a:extLst>
+                    <a:ext uri="{9D8B030D-6E8A-4147-A177-3AD203B41FA5}">
+                      <a16:colId xmlns:a16="http://schemas.microsoft.com/office/drawing/2014/main" val="1713275409"/>
+                    </a:ext>
+                  </a:extLst>
+                </a:gridCol>
+                <a:gridCol w="612000">
+                  <a:extLst>
+                    <a:ext uri="{9D8B030D-6E8A-4147-A177-3AD203B41FA5}">
+                      <a16:colId xmlns:a16="http://schemas.microsoft.com/office/drawing/2014/main" val="1897287602"/>
+                    </a:ext>
+                  </a:extLst>
+                </a:gridCol>
+                <a:gridCol w="1548000">
+                  <a:extLst>
+                    <a:ext uri="{9D8B030D-6E8A-4147-A177-3AD203B41FA5}">
+                      <a16:colId xmlns:a16="http://schemas.microsoft.com/office/drawing/2014/main" val="2795947963"/>
+                    </a:ext>
+                  </a:extLst>
+                </a:gridCol>
+              </a:tblGrid>
+              <a:tr h="453562">
+                <a:tc>
+                  <a:txBody>
+                    <a:bodyPr/>
+                    <a:lstStyle/>
+                    <a:p>
+                      <a:r>
+                        <a:rPr lang="en-AU" sz="1200" dirty="0"/>
+                        <a:t>sensor</a:t>
+                      </a:r>
+                    </a:p>
+                  </a:txBody>
+                  <a:tcPr>
+                    <a:lnL w="28575" cap="flat" cmpd="sng" algn="ctr">
+                      <a:solidFill>
+                        <a:schemeClr val="accent5"/>
+                      </a:solidFill>
+                      <a:prstDash val="solid"/>
+                      <a:round/>
+                      <a:headEnd type="none" w="med" len="med"/>
+                      <a:tailEnd type="none" w="med" len="med"/>
+                    </a:lnL>
+                    <a:lnR w="28575" cap="flat" cmpd="sng" algn="ctr">
+                      <a:solidFill>
+                        <a:schemeClr val="bg1"/>
+                      </a:solidFill>
+                      <a:prstDash val="solid"/>
+                      <a:round/>
+                      <a:headEnd type="none" w="med" len="med"/>
+                      <a:tailEnd type="none" w="med" len="med"/>
+                    </a:lnR>
+                    <a:lnT w="28575" cap="flat" cmpd="sng" algn="ctr">
+                      <a:solidFill>
+                        <a:schemeClr val="accent5"/>
+                      </a:solidFill>
+                      <a:prstDash val="solid"/>
+                      <a:round/>
+                      <a:headEnd type="none" w="med" len="med"/>
+                      <a:tailEnd type="none" w="med" len="med"/>
+                    </a:lnT>
+                    <a:lnB w="28575" cap="flat" cmpd="sng" algn="ctr">
+                      <a:solidFill>
+                        <a:schemeClr val="accent5"/>
+                      </a:solidFill>
+                      <a:prstDash val="solid"/>
+                      <a:round/>
+                      <a:headEnd type="none" w="med" len="med"/>
+                      <a:tailEnd type="none" w="med" len="med"/>
+                    </a:lnB>
+                  </a:tcPr>
+                </a:tc>
+                <a:tc>
+                  <a:txBody>
+                    <a:bodyPr/>
+                    <a:lstStyle/>
+                    <a:p>
+                      <a:r>
+                        <a:rPr lang="en-AU" sz="1200" dirty="0"/>
+                        <a:t>height</a:t>
+                      </a:r>
+                    </a:p>
+                  </a:txBody>
+                  <a:tcPr>
+                    <a:lnL w="28575" cap="flat" cmpd="sng" algn="ctr">
+                      <a:solidFill>
+                        <a:schemeClr val="bg1"/>
+                      </a:solidFill>
+                      <a:prstDash val="solid"/>
+                      <a:round/>
+                      <a:headEnd type="none" w="med" len="med"/>
+                      <a:tailEnd type="none" w="med" len="med"/>
+                    </a:lnL>
+                    <a:lnR w="28575" cap="flat" cmpd="sng" algn="ctr">
+                      <a:solidFill>
+                        <a:schemeClr val="bg1"/>
+                      </a:solidFill>
+                      <a:prstDash val="solid"/>
+                      <a:round/>
+                      <a:headEnd type="none" w="med" len="med"/>
+                      <a:tailEnd type="none" w="med" len="med"/>
+                    </a:lnR>
+                    <a:lnT w="28575" cap="flat" cmpd="sng" algn="ctr">
+                      <a:solidFill>
+                        <a:schemeClr val="accent5"/>
+                      </a:solidFill>
+                      <a:prstDash val="solid"/>
+                      <a:round/>
+                      <a:headEnd type="none" w="med" len="med"/>
+                      <a:tailEnd type="none" w="med" len="med"/>
+                    </a:lnT>
+                    <a:lnB w="28575" cap="flat" cmpd="sng" algn="ctr">
+                      <a:solidFill>
+                        <a:schemeClr val="accent5"/>
+                      </a:solidFill>
+                      <a:prstDash val="solid"/>
+                      <a:round/>
+                      <a:headEnd type="none" w="med" len="med"/>
+                      <a:tailEnd type="none" w="med" len="med"/>
+                    </a:lnB>
+                  </a:tcPr>
+                </a:tc>
+                <a:tc>
+                  <a:txBody>
+                    <a:bodyPr/>
+                    <a:lstStyle/>
+                    <a:p>
+                      <a:r>
+                        <a:rPr lang="en-AU" sz="1200" dirty="0"/>
+                        <a:t>date-time</a:t>
+                      </a:r>
+                    </a:p>
+                  </a:txBody>
+                  <a:tcPr>
+                    <a:lnL w="28575" cap="flat" cmpd="sng" algn="ctr">
+                      <a:solidFill>
+                        <a:schemeClr val="bg1"/>
+                      </a:solidFill>
+                      <a:prstDash val="solid"/>
+                      <a:round/>
+                      <a:headEnd type="none" w="med" len="med"/>
+                      <a:tailEnd type="none" w="med" len="med"/>
+                    </a:lnL>
+                    <a:lnR w="28575" cap="flat" cmpd="sng" algn="ctr">
+                      <a:solidFill>
+                        <a:schemeClr val="accent5"/>
+                      </a:solidFill>
+                      <a:prstDash val="solid"/>
+                      <a:round/>
+                      <a:headEnd type="none" w="med" len="med"/>
+                      <a:tailEnd type="none" w="med" len="med"/>
+                    </a:lnR>
+                    <a:lnT w="28575" cap="flat" cmpd="sng" algn="ctr">
+                      <a:solidFill>
+                        <a:schemeClr val="accent5"/>
+                      </a:solidFill>
+                      <a:prstDash val="solid"/>
+                      <a:round/>
+                      <a:headEnd type="none" w="med" len="med"/>
+                      <a:tailEnd type="none" w="med" len="med"/>
+                    </a:lnT>
+                    <a:lnB w="28575" cap="flat" cmpd="sng" algn="ctr">
+                      <a:solidFill>
+                        <a:schemeClr val="accent5"/>
+                      </a:solidFill>
+                      <a:prstDash val="solid"/>
+                      <a:round/>
+                      <a:headEnd type="none" w="med" len="med"/>
+                      <a:tailEnd type="none" w="med" len="med"/>
+                    </a:lnB>
+                  </a:tcPr>
+                </a:tc>
+                <a:extLst>
+                  <a:ext uri="{0D108BD9-81ED-4DB2-BD59-A6C34878D82A}">
+                    <a16:rowId xmlns:a16="http://schemas.microsoft.com/office/drawing/2014/main" val="3020429315"/>
+                  </a:ext>
+                </a:extLst>
+              </a:tr>
+              <a:tr h="283859">
+                <a:tc>
+                  <a:txBody>
+                    <a:bodyPr/>
+                    <a:lstStyle/>
+                    <a:p>
+                      <a:r>
+                        <a:rPr lang="en-AU" sz="1050" dirty="0"/>
+                        <a:t>001</a:t>
+                      </a:r>
+                    </a:p>
+                  </a:txBody>
+                  <a:tcPr>
+                    <a:lnL w="28575" cap="flat" cmpd="sng" algn="ctr">
+                      <a:solidFill>
+                        <a:schemeClr val="accent5"/>
+                      </a:solidFill>
+                      <a:prstDash val="solid"/>
+                      <a:round/>
+                      <a:headEnd type="none" w="med" len="med"/>
+                      <a:tailEnd type="none" w="med" len="med"/>
+                    </a:lnL>
+                    <a:lnR w="28575" cap="flat" cmpd="sng" algn="ctr">
+                      <a:solidFill>
+                        <a:schemeClr val="accent5"/>
+                      </a:solidFill>
+                      <a:prstDash val="solid"/>
+                      <a:round/>
+                      <a:headEnd type="none" w="med" len="med"/>
+                      <a:tailEnd type="none" w="med" len="med"/>
+                    </a:lnR>
+                    <a:lnT w="28575" cap="flat" cmpd="sng" algn="ctr">
+                      <a:solidFill>
+                        <a:schemeClr val="accent5"/>
+                      </a:solidFill>
+                      <a:prstDash val="solid"/>
+                      <a:round/>
+                      <a:headEnd type="none" w="med" len="med"/>
+                      <a:tailEnd type="none" w="med" len="med"/>
+                    </a:lnT>
+                    <a:lnB w="28575" cap="flat" cmpd="sng" algn="ctr">
+                      <a:solidFill>
+                        <a:schemeClr val="accent5"/>
+                      </a:solidFill>
+                      <a:prstDash val="solid"/>
+                      <a:round/>
+                      <a:headEnd type="none" w="med" len="med"/>
+                      <a:tailEnd type="none" w="med" len="med"/>
+                    </a:lnB>
+                  </a:tcPr>
+                </a:tc>
+                <a:tc>
+                  <a:txBody>
+                    <a:bodyPr/>
+                    <a:lstStyle/>
+                    <a:p>
+                      <a:r>
+                        <a:rPr lang="en-AU" sz="1050" dirty="0"/>
+                        <a:t>1.23</a:t>
+                      </a:r>
+                    </a:p>
+                  </a:txBody>
+                  <a:tcPr>
+                    <a:lnL w="28575" cap="flat" cmpd="sng" algn="ctr">
+                      <a:solidFill>
+                        <a:schemeClr val="accent5"/>
+                      </a:solidFill>
+                      <a:prstDash val="solid"/>
+                      <a:round/>
+                      <a:headEnd type="none" w="med" len="med"/>
+                      <a:tailEnd type="none" w="med" len="med"/>
+                    </a:lnL>
+                    <a:lnR w="28575" cap="flat" cmpd="sng" algn="ctr">
+                      <a:solidFill>
+                        <a:schemeClr val="accent5"/>
+                      </a:solidFill>
+                      <a:prstDash val="solid"/>
+                      <a:round/>
+                      <a:headEnd type="none" w="med" len="med"/>
+                      <a:tailEnd type="none" w="med" len="med"/>
+                    </a:lnR>
+                    <a:lnT w="28575" cap="flat" cmpd="sng" algn="ctr">
+                      <a:solidFill>
+                        <a:schemeClr val="accent5"/>
+                      </a:solidFill>
+                      <a:prstDash val="solid"/>
+                      <a:round/>
+                      <a:headEnd type="none" w="med" len="med"/>
+                      <a:tailEnd type="none" w="med" len="med"/>
+                    </a:lnT>
+                    <a:lnB w="28575" cap="flat" cmpd="sng" algn="ctr">
+                      <a:solidFill>
+                        <a:schemeClr val="accent5"/>
+                      </a:solidFill>
+                      <a:prstDash val="solid"/>
+                      <a:round/>
+                      <a:headEnd type="none" w="med" len="med"/>
+                      <a:tailEnd type="none" w="med" len="med"/>
+                    </a:lnB>
+                  </a:tcPr>
+                </a:tc>
+                <a:tc>
+                  <a:txBody>
+                    <a:bodyPr/>
+                    <a:lstStyle/>
+                    <a:p>
+                      <a:r>
+                        <a:rPr lang="en-AU" sz="1050" dirty="0"/>
+                        <a:t>2018-01-22T13:00:00</a:t>
+                      </a:r>
+                    </a:p>
+                  </a:txBody>
+                  <a:tcPr>
+                    <a:lnL w="28575" cap="flat" cmpd="sng" algn="ctr">
+                      <a:solidFill>
+                        <a:schemeClr val="accent5"/>
+                      </a:solidFill>
+                      <a:prstDash val="solid"/>
+                      <a:round/>
+                      <a:headEnd type="none" w="med" len="med"/>
+                      <a:tailEnd type="none" w="med" len="med"/>
+                    </a:lnL>
+                    <a:lnR w="28575" cap="flat" cmpd="sng" algn="ctr">
+                      <a:solidFill>
+                        <a:schemeClr val="accent5"/>
+                      </a:solidFill>
+                      <a:prstDash val="solid"/>
+                      <a:round/>
+                      <a:headEnd type="none" w="med" len="med"/>
+                      <a:tailEnd type="none" w="med" len="med"/>
+                    </a:lnR>
+                    <a:lnT w="28575" cap="flat" cmpd="sng" algn="ctr">
+                      <a:solidFill>
+                        <a:schemeClr val="accent5"/>
+                      </a:solidFill>
+                      <a:prstDash val="solid"/>
+                      <a:round/>
+                      <a:headEnd type="none" w="med" len="med"/>
+                      <a:tailEnd type="none" w="med" len="med"/>
+                    </a:lnT>
+                    <a:lnB w="28575" cap="flat" cmpd="sng" algn="ctr">
+                      <a:solidFill>
+                        <a:schemeClr val="accent5"/>
+                      </a:solidFill>
+                      <a:prstDash val="solid"/>
+                      <a:round/>
+                      <a:headEnd type="none" w="med" len="med"/>
+                      <a:tailEnd type="none" w="med" len="med"/>
+                    </a:lnB>
+                  </a:tcPr>
+                </a:tc>
+                <a:extLst>
+                  <a:ext uri="{0D108BD9-81ED-4DB2-BD59-A6C34878D82A}">
+                    <a16:rowId xmlns:a16="http://schemas.microsoft.com/office/drawing/2014/main" val="2811010025"/>
+                  </a:ext>
+                </a:extLst>
+              </a:tr>
+              <a:tr h="0">
+                <a:tc>
+                  <a:txBody>
+                    <a:bodyPr/>
+                    <a:lstStyle/>
+                    <a:p>
+                      <a:r>
+                        <a:rPr lang="en-AU" sz="1050" dirty="0"/>
+                        <a:t>001</a:t>
+                      </a:r>
+                    </a:p>
+                  </a:txBody>
+                  <a:tcPr>
+                    <a:lnL w="28575" cap="flat" cmpd="sng" algn="ctr">
+                      <a:solidFill>
+                        <a:schemeClr val="accent5"/>
+                      </a:solidFill>
+                      <a:prstDash val="solid"/>
+                      <a:round/>
+                      <a:headEnd type="none" w="med" len="med"/>
+                      <a:tailEnd type="none" w="med" len="med"/>
+                    </a:lnL>
+                    <a:lnR w="28575" cap="flat" cmpd="sng" algn="ctr">
+                      <a:solidFill>
+                        <a:schemeClr val="accent5"/>
+                      </a:solidFill>
+                      <a:prstDash val="solid"/>
+                      <a:round/>
+                      <a:headEnd type="none" w="med" len="med"/>
+                      <a:tailEnd type="none" w="med" len="med"/>
+                    </a:lnR>
+                    <a:lnT w="28575" cap="flat" cmpd="sng" algn="ctr">
+                      <a:solidFill>
+                        <a:schemeClr val="accent5"/>
+                      </a:solidFill>
+                      <a:prstDash val="solid"/>
+                      <a:round/>
+                      <a:headEnd type="none" w="med" len="med"/>
+                      <a:tailEnd type="none" w="med" len="med"/>
+                    </a:lnT>
+                    <a:lnB w="28575" cap="flat" cmpd="sng" algn="ctr">
+                      <a:solidFill>
+                        <a:schemeClr val="accent5"/>
+                      </a:solidFill>
+                      <a:prstDash val="solid"/>
+                      <a:round/>
+                      <a:headEnd type="none" w="med" len="med"/>
+                      <a:tailEnd type="none" w="med" len="med"/>
+                    </a:lnB>
+                  </a:tcPr>
+                </a:tc>
+                <a:tc>
+                  <a:txBody>
+                    <a:bodyPr/>
+                    <a:lstStyle/>
+                    <a:p>
+                      <a:r>
+                        <a:rPr lang="en-AU" sz="1050" dirty="0"/>
+                        <a:t>1.24</a:t>
+                      </a:r>
+                    </a:p>
+                  </a:txBody>
+                  <a:tcPr>
+                    <a:lnL w="28575" cap="flat" cmpd="sng" algn="ctr">
+                      <a:solidFill>
+                        <a:schemeClr val="accent5"/>
+                      </a:solidFill>
+                      <a:prstDash val="solid"/>
+                      <a:round/>
+                      <a:headEnd type="none" w="med" len="med"/>
+                      <a:tailEnd type="none" w="med" len="med"/>
+                    </a:lnL>
+                    <a:lnR w="28575" cap="flat" cmpd="sng" algn="ctr">
+                      <a:solidFill>
+                        <a:schemeClr val="accent5"/>
+                      </a:solidFill>
+                      <a:prstDash val="solid"/>
+                      <a:round/>
+                      <a:headEnd type="none" w="med" len="med"/>
+                      <a:tailEnd type="none" w="med" len="med"/>
+                    </a:lnR>
+                    <a:lnT w="28575" cap="flat" cmpd="sng" algn="ctr">
+                      <a:solidFill>
+                        <a:schemeClr val="accent5"/>
+                      </a:solidFill>
+                      <a:prstDash val="solid"/>
+                      <a:round/>
+                      <a:headEnd type="none" w="med" len="med"/>
+                      <a:tailEnd type="none" w="med" len="med"/>
+                    </a:lnT>
+                    <a:lnB w="28575" cap="flat" cmpd="sng" algn="ctr">
+                      <a:solidFill>
+                        <a:schemeClr val="accent5"/>
+                      </a:solidFill>
+                      <a:prstDash val="solid"/>
+                      <a:round/>
+                      <a:headEnd type="none" w="med" len="med"/>
+                      <a:tailEnd type="none" w="med" len="med"/>
+                    </a:lnB>
+                  </a:tcPr>
+                </a:tc>
+                <a:tc>
+                  <a:txBody>
+                    <a:bodyPr/>
+                    <a:lstStyle/>
+                    <a:p>
+                      <a:r>
+                        <a:rPr lang="en-AU" sz="1050" dirty="0"/>
+                        <a:t>2018-01-22T14:00:00</a:t>
+                      </a:r>
+                    </a:p>
+                  </a:txBody>
+                  <a:tcPr>
+                    <a:lnL w="28575" cap="flat" cmpd="sng" algn="ctr">
+                      <a:solidFill>
+                        <a:schemeClr val="accent5"/>
+                      </a:solidFill>
+                      <a:prstDash val="solid"/>
+                      <a:round/>
+                      <a:headEnd type="none" w="med" len="med"/>
+                      <a:tailEnd type="none" w="med" len="med"/>
+                    </a:lnL>
+                    <a:lnR w="28575" cap="flat" cmpd="sng" algn="ctr">
+                      <a:solidFill>
+                        <a:schemeClr val="accent5"/>
+                      </a:solidFill>
+                      <a:prstDash val="solid"/>
+                      <a:round/>
+                      <a:headEnd type="none" w="med" len="med"/>
+                      <a:tailEnd type="none" w="med" len="med"/>
+                    </a:lnR>
+                    <a:lnT w="28575" cap="flat" cmpd="sng" algn="ctr">
+                      <a:solidFill>
+                        <a:schemeClr val="accent5"/>
+                      </a:solidFill>
+                      <a:prstDash val="solid"/>
+                      <a:round/>
+                      <a:headEnd type="none" w="med" len="med"/>
+                      <a:tailEnd type="none" w="med" len="med"/>
+                    </a:lnT>
+                    <a:lnB w="28575" cap="flat" cmpd="sng" algn="ctr">
+                      <a:solidFill>
+                        <a:schemeClr val="accent5"/>
+                      </a:solidFill>
+                      <a:prstDash val="solid"/>
+                      <a:round/>
+                      <a:headEnd type="none" w="med" len="med"/>
+                      <a:tailEnd type="none" w="med" len="med"/>
+                    </a:lnB>
+                  </a:tcPr>
+                </a:tc>
+                <a:extLst>
+                  <a:ext uri="{0D108BD9-81ED-4DB2-BD59-A6C34878D82A}">
+                    <a16:rowId xmlns:a16="http://schemas.microsoft.com/office/drawing/2014/main" val="770099115"/>
+                  </a:ext>
+                </a:extLst>
+              </a:tr>
+              <a:tr h="141930">
+                <a:tc>
+                  <a:txBody>
+                    <a:bodyPr/>
+                    <a:lstStyle/>
+                    <a:p>
+                      <a:r>
+                        <a:rPr lang="en-AU" sz="1050" dirty="0"/>
+                        <a:t>001</a:t>
+                      </a:r>
+                    </a:p>
+                  </a:txBody>
+                  <a:tcPr>
+                    <a:lnL w="28575" cap="flat" cmpd="sng" algn="ctr">
+                      <a:solidFill>
+                        <a:schemeClr val="accent5"/>
+                      </a:solidFill>
+                      <a:prstDash val="solid"/>
+                      <a:round/>
+                      <a:headEnd type="none" w="med" len="med"/>
+                      <a:tailEnd type="none" w="med" len="med"/>
+                    </a:lnL>
+                    <a:lnR w="28575" cap="flat" cmpd="sng" algn="ctr">
+                      <a:solidFill>
+                        <a:schemeClr val="accent5"/>
+                      </a:solidFill>
+                      <a:prstDash val="solid"/>
+                      <a:round/>
+                      <a:headEnd type="none" w="med" len="med"/>
+                      <a:tailEnd type="none" w="med" len="med"/>
+                    </a:lnR>
+                    <a:lnT w="28575" cap="flat" cmpd="sng" algn="ctr">
+                      <a:solidFill>
+                        <a:schemeClr val="accent5"/>
+                      </a:solidFill>
+                      <a:prstDash val="solid"/>
+                      <a:round/>
+                      <a:headEnd type="none" w="med" len="med"/>
+                      <a:tailEnd type="none" w="med" len="med"/>
+                    </a:lnT>
+                    <a:lnB w="28575" cap="flat" cmpd="sng" algn="ctr">
+                      <a:solidFill>
+                        <a:schemeClr val="accent5"/>
+                      </a:solidFill>
+                      <a:prstDash val="solid"/>
+                      <a:round/>
+                      <a:headEnd type="none" w="med" len="med"/>
+                      <a:tailEnd type="none" w="med" len="med"/>
+                    </a:lnB>
+                  </a:tcPr>
+                </a:tc>
+                <a:tc>
+                  <a:txBody>
+                    <a:bodyPr/>
+                    <a:lstStyle/>
+                    <a:p>
+                      <a:r>
+                        <a:rPr lang="en-AU" sz="1050" dirty="0"/>
+                        <a:t>1.26</a:t>
+                      </a:r>
+                    </a:p>
+                  </a:txBody>
+                  <a:tcPr>
+                    <a:lnL w="28575" cap="flat" cmpd="sng" algn="ctr">
+                      <a:solidFill>
+                        <a:schemeClr val="accent5"/>
+                      </a:solidFill>
+                      <a:prstDash val="solid"/>
+                      <a:round/>
+                      <a:headEnd type="none" w="med" len="med"/>
+                      <a:tailEnd type="none" w="med" len="med"/>
+                    </a:lnL>
+                    <a:lnR w="28575" cap="flat" cmpd="sng" algn="ctr">
+                      <a:solidFill>
+                        <a:schemeClr val="accent5"/>
+                      </a:solidFill>
+                      <a:prstDash val="solid"/>
+                      <a:round/>
+                      <a:headEnd type="none" w="med" len="med"/>
+                      <a:tailEnd type="none" w="med" len="med"/>
+                    </a:lnR>
+                    <a:lnT w="28575" cap="flat" cmpd="sng" algn="ctr">
+                      <a:solidFill>
+                        <a:schemeClr val="accent5"/>
+                      </a:solidFill>
+                      <a:prstDash val="solid"/>
+                      <a:round/>
+                      <a:headEnd type="none" w="med" len="med"/>
+                      <a:tailEnd type="none" w="med" len="med"/>
+                    </a:lnT>
+                    <a:lnB w="28575" cap="flat" cmpd="sng" algn="ctr">
+                      <a:solidFill>
+                        <a:schemeClr val="accent5"/>
+                      </a:solidFill>
+                      <a:prstDash val="solid"/>
+                      <a:round/>
+                      <a:headEnd type="none" w="med" len="med"/>
+                      <a:tailEnd type="none" w="med" len="med"/>
+                    </a:lnB>
+                  </a:tcPr>
+                </a:tc>
+                <a:tc>
+                  <a:txBody>
+                    <a:bodyPr/>
+                    <a:lstStyle/>
+                    <a:p>
+                      <a:r>
+                        <a:rPr lang="en-AU" sz="1050" dirty="0"/>
+                        <a:t>2018-01-22T15:00:00</a:t>
+                      </a:r>
+                    </a:p>
+                  </a:txBody>
+                  <a:tcPr>
+                    <a:lnL w="28575" cap="flat" cmpd="sng" algn="ctr">
+                      <a:solidFill>
+                        <a:schemeClr val="accent5"/>
+                      </a:solidFill>
+                      <a:prstDash val="solid"/>
+                      <a:round/>
+                      <a:headEnd type="none" w="med" len="med"/>
+                      <a:tailEnd type="none" w="med" len="med"/>
+                    </a:lnL>
+                    <a:lnR w="28575" cap="flat" cmpd="sng" algn="ctr">
+                      <a:solidFill>
+                        <a:schemeClr val="accent5"/>
+                      </a:solidFill>
+                      <a:prstDash val="solid"/>
+                      <a:round/>
+                      <a:headEnd type="none" w="med" len="med"/>
+                      <a:tailEnd type="none" w="med" len="med"/>
+                    </a:lnR>
+                    <a:lnT w="28575" cap="flat" cmpd="sng" algn="ctr">
+                      <a:solidFill>
+                        <a:schemeClr val="accent5"/>
+                      </a:solidFill>
+                      <a:prstDash val="solid"/>
+                      <a:round/>
+                      <a:headEnd type="none" w="med" len="med"/>
+                      <a:tailEnd type="none" w="med" len="med"/>
+                    </a:lnT>
+                    <a:lnB w="28575" cap="flat" cmpd="sng" algn="ctr">
+                      <a:solidFill>
+                        <a:schemeClr val="accent5"/>
+                      </a:solidFill>
+                      <a:prstDash val="solid"/>
+                      <a:round/>
+                      <a:headEnd type="none" w="med" len="med"/>
+                      <a:tailEnd type="none" w="med" len="med"/>
+                    </a:lnB>
+                  </a:tcPr>
+                </a:tc>
+                <a:extLst>
+                  <a:ext uri="{0D108BD9-81ED-4DB2-BD59-A6C34878D82A}">
+                    <a16:rowId xmlns:a16="http://schemas.microsoft.com/office/drawing/2014/main" val="1518239702"/>
+                  </a:ext>
+                </a:extLst>
+              </a:tr>
+              <a:tr h="141930">
+                <a:tc>
+                  <a:txBody>
+                    <a:bodyPr/>
+                    <a:lstStyle/>
+                    <a:p>
+                      <a:r>
+                        <a:rPr lang="en-AU" sz="1050" dirty="0"/>
+                        <a:t>002</a:t>
+                      </a:r>
+                    </a:p>
+                  </a:txBody>
+                  <a:tcPr>
+                    <a:lnL w="28575" cap="flat" cmpd="sng" algn="ctr">
+                      <a:solidFill>
+                        <a:schemeClr val="accent5"/>
+                      </a:solidFill>
+                      <a:prstDash val="solid"/>
+                      <a:round/>
+                      <a:headEnd type="none" w="med" len="med"/>
+                      <a:tailEnd type="none" w="med" len="med"/>
+                    </a:lnL>
+                    <a:lnR w="28575" cap="flat" cmpd="sng" algn="ctr">
+                      <a:solidFill>
+                        <a:schemeClr val="accent5"/>
+                      </a:solidFill>
+                      <a:prstDash val="solid"/>
+                      <a:round/>
+                      <a:headEnd type="none" w="med" len="med"/>
+                      <a:tailEnd type="none" w="med" len="med"/>
+                    </a:lnR>
+                    <a:lnT w="28575" cap="flat" cmpd="sng" algn="ctr">
+                      <a:solidFill>
+                        <a:schemeClr val="accent5"/>
+                      </a:solidFill>
+                      <a:prstDash val="solid"/>
+                      <a:round/>
+                      <a:headEnd type="none" w="med" len="med"/>
+                      <a:tailEnd type="none" w="med" len="med"/>
+                    </a:lnT>
+                    <a:lnB w="28575" cap="flat" cmpd="sng" algn="ctr">
+                      <a:solidFill>
+                        <a:schemeClr val="accent5"/>
+                      </a:solidFill>
+                      <a:prstDash val="solid"/>
+                      <a:round/>
+                      <a:headEnd type="none" w="med" len="med"/>
+                      <a:tailEnd type="none" w="med" len="med"/>
+                    </a:lnB>
+                  </a:tcPr>
+                </a:tc>
+                <a:tc>
+                  <a:txBody>
+                    <a:bodyPr/>
+                    <a:lstStyle/>
+                    <a:p>
+                      <a:r>
+                        <a:rPr lang="en-AU" sz="1050" dirty="0"/>
+                        <a:t>2.54</a:t>
+                      </a:r>
+                    </a:p>
+                  </a:txBody>
+                  <a:tcPr>
+                    <a:lnL w="28575" cap="flat" cmpd="sng" algn="ctr">
+                      <a:solidFill>
+                        <a:schemeClr val="accent5"/>
+                      </a:solidFill>
+                      <a:prstDash val="solid"/>
+                      <a:round/>
+                      <a:headEnd type="none" w="med" len="med"/>
+                      <a:tailEnd type="none" w="med" len="med"/>
+                    </a:lnL>
+                    <a:lnR w="28575" cap="flat" cmpd="sng" algn="ctr">
+                      <a:solidFill>
+                        <a:schemeClr val="accent5"/>
+                      </a:solidFill>
+                      <a:prstDash val="solid"/>
+                      <a:round/>
+                      <a:headEnd type="none" w="med" len="med"/>
+                      <a:tailEnd type="none" w="med" len="med"/>
+                    </a:lnR>
+                    <a:lnT w="28575" cap="flat" cmpd="sng" algn="ctr">
+                      <a:solidFill>
+                        <a:schemeClr val="accent5"/>
+                      </a:solidFill>
+                      <a:prstDash val="solid"/>
+                      <a:round/>
+                      <a:headEnd type="none" w="med" len="med"/>
+                      <a:tailEnd type="none" w="med" len="med"/>
+                    </a:lnT>
+                    <a:lnB w="28575" cap="flat" cmpd="sng" algn="ctr">
+                      <a:solidFill>
+                        <a:schemeClr val="accent5"/>
+                      </a:solidFill>
+                      <a:prstDash val="solid"/>
+                      <a:round/>
+                      <a:headEnd type="none" w="med" len="med"/>
+                      <a:tailEnd type="none" w="med" len="med"/>
+                    </a:lnB>
+                  </a:tcPr>
+                </a:tc>
+                <a:tc>
+                  <a:txBody>
+                    <a:bodyPr/>
+                    <a:lstStyle/>
+                    <a:p>
+                      <a:pPr marL="0" marR="0" lvl="0" indent="0" algn="l" defTabSz="914400" rtl="0" eaLnBrk="1" fontAlgn="auto" latinLnBrk="0" hangingPunct="1">
+                        <a:lnSpc>
+                          <a:spcPct val="100000"/>
+                        </a:lnSpc>
+                        <a:spcBef>
+                          <a:spcPts val="0"/>
+                        </a:spcBef>
+                        <a:spcAft>
+                          <a:spcPts val="0"/>
+                        </a:spcAft>
+                        <a:buClrTx/>
+                        <a:buSzTx/>
+                        <a:buFontTx/>
+                        <a:buNone/>
+                        <a:tabLst/>
+                        <a:defRPr/>
+                      </a:pPr>
+                      <a:r>
+                        <a:rPr lang="en-AU" sz="1050" dirty="0"/>
+                        <a:t>2018-01-22T13:00:00</a:t>
+                      </a:r>
+                    </a:p>
+                  </a:txBody>
+                  <a:tcPr>
+                    <a:lnL w="28575" cap="flat" cmpd="sng" algn="ctr">
+                      <a:solidFill>
+                        <a:schemeClr val="accent5"/>
+                      </a:solidFill>
+                      <a:prstDash val="solid"/>
+                      <a:round/>
+                      <a:headEnd type="none" w="med" len="med"/>
+                      <a:tailEnd type="none" w="med" len="med"/>
+                    </a:lnL>
+                    <a:lnR w="28575" cap="flat" cmpd="sng" algn="ctr">
+                      <a:solidFill>
+                        <a:schemeClr val="accent5"/>
+                      </a:solidFill>
+                      <a:prstDash val="solid"/>
+                      <a:round/>
+                      <a:headEnd type="none" w="med" len="med"/>
+                      <a:tailEnd type="none" w="med" len="med"/>
+                    </a:lnR>
+                    <a:lnT w="28575" cap="flat" cmpd="sng" algn="ctr">
+                      <a:solidFill>
+                        <a:schemeClr val="accent5"/>
+                      </a:solidFill>
+                      <a:prstDash val="solid"/>
+                      <a:round/>
+                      <a:headEnd type="none" w="med" len="med"/>
+                      <a:tailEnd type="none" w="med" len="med"/>
+                    </a:lnT>
+                    <a:lnB w="28575" cap="flat" cmpd="sng" algn="ctr">
+                      <a:solidFill>
+                        <a:schemeClr val="accent5"/>
+                      </a:solidFill>
+                      <a:prstDash val="solid"/>
+                      <a:round/>
+                      <a:headEnd type="none" w="med" len="med"/>
+                      <a:tailEnd type="none" w="med" len="med"/>
+                    </a:lnB>
+                  </a:tcPr>
+                </a:tc>
+                <a:extLst>
+                  <a:ext uri="{0D108BD9-81ED-4DB2-BD59-A6C34878D82A}">
+                    <a16:rowId xmlns:a16="http://schemas.microsoft.com/office/drawing/2014/main" val="2710495135"/>
                   </a:ext>
                 </a:extLst>
               </a:tr>
@@ -6951,7 +6857,7 @@
                 </a:tc>
                 <a:extLst>
                   <a:ext uri="{0D108BD9-81ED-4DB2-BD59-A6C34878D82A}">
-                    <a16:rowId xmlns:a16="http://schemas.microsoft.com/office/drawing/2014/main" xmlns="" val="1972259401"/>
+                    <a16:rowId xmlns:a16="http://schemas.microsoft.com/office/drawing/2014/main" val="1972259401"/>
                   </a:ext>
                 </a:extLst>
               </a:tr>
@@ -6964,7 +6870,7 @@
           <p:cNvPr id="2" name="TextBox 1">
             <a:extLst>
               <a:ext uri="{FF2B5EF4-FFF2-40B4-BE49-F238E27FC236}">
-                <a16:creationId xmlns:a16="http://schemas.microsoft.com/office/drawing/2014/main" xmlns="" id="{6A57C551-09BE-4940-B514-E145B463FECC}"/>
+                <a16:creationId xmlns:a16="http://schemas.microsoft.com/office/drawing/2014/main" id="{6A57C551-09BE-4940-B514-E145B463FECC}"/>
               </a:ext>
             </a:extLst>
           </p:cNvPr>
@@ -6988,7 +6894,7 @@
           <a:lstStyle/>
           <a:p>
             <a:r>
-              <a:rPr lang="en-AU" sz="1200" dirty="0" smtClean="0">
+              <a:rPr lang="en-AU" sz="1200" dirty="0">
                 <a:solidFill>
                   <a:schemeClr val="accent5"/>
                 </a:solidFill>
@@ -6998,20 +6904,12 @@
           </a:p>
           <a:p>
             <a:r>
-              <a:rPr lang="en-AU" sz="1200" dirty="0" smtClean="0">
-                <a:solidFill>
-                  <a:schemeClr val="accent5"/>
-                </a:solidFill>
-              </a:rPr>
-              <a:t>"</a:t>
-            </a:r>
-            <a:r>
               <a:rPr lang="en-AU" sz="1200" dirty="0">
                 <a:solidFill>
                   <a:schemeClr val="accent5"/>
                 </a:solidFill>
               </a:rPr>
-              <a:t>resources": [</a:t>
+              <a:t>"resources": [</a:t>
             </a:r>
           </a:p>
           <a:p>
@@ -7031,21 +6929,8 @@
                   <a:schemeClr val="accent5"/>
                 </a:solidFill>
               </a:rPr>
-              <a:t>      "name": </a:t>
-            </a:r>
-            <a:r>
-              <a:rPr lang="en-AU" sz="1200" dirty="0" smtClean="0">
-                <a:solidFill>
-                  <a:schemeClr val="accent5"/>
-                </a:solidFill>
-              </a:rPr>
-              <a:t>“tides",</a:t>
-            </a:r>
-            <a:endParaRPr lang="en-AU" sz="1200" dirty="0">
-              <a:solidFill>
-                <a:schemeClr val="accent5"/>
-              </a:solidFill>
-            </a:endParaRPr>
+              <a:t>      "name": “tides",</a:t>
+            </a:r>
           </a:p>
           <a:p>
             <a:r>
@@ -7054,23 +6939,7 @@
                   <a:schemeClr val="accent5"/>
                 </a:solidFill>
               </a:rPr>
-              <a:t>      "path": </a:t>
-            </a:r>
-            <a:r>
-              <a:rPr lang="en-AU" sz="1200" dirty="0" smtClean="0">
-                <a:solidFill>
-                  <a:schemeClr val="accent5"/>
-                </a:solidFill>
-              </a:rPr>
-              <a:t>“tides.csv</a:t>
-            </a:r>
-            <a:r>
-              <a:rPr lang="en-AU" sz="1200" dirty="0">
-                <a:solidFill>
-                  <a:schemeClr val="accent5"/>
-                </a:solidFill>
-              </a:rPr>
-              <a:t>",</a:t>
+              <a:t>      "path": “tides.csv",</a:t>
             </a:r>
           </a:p>
           <a:p>
@@ -7090,15 +6959,7 @@
                   <a:schemeClr val="accent5"/>
                 </a:solidFill>
               </a:rPr>
-              <a:t>      "schema": </a:t>
-            </a:r>
-            <a:r>
-              <a:rPr lang="en-AU" sz="1200" dirty="0" smtClean="0">
-                <a:solidFill>
-                  <a:schemeClr val="accent5"/>
-                </a:solidFill>
-              </a:rPr>
-              <a:t>{</a:t>
+              <a:t>      "schema": {</a:t>
             </a:r>
           </a:p>
           <a:p>
@@ -7108,15 +6969,7 @@
                   <a:schemeClr val="accent5"/>
                 </a:solidFill>
               </a:rPr>
-              <a:t> </a:t>
-            </a:r>
-            <a:r>
-              <a:rPr lang="en-AU" sz="1200" dirty="0" smtClean="0">
-                <a:solidFill>
-                  <a:schemeClr val="accent5"/>
-                </a:solidFill>
-              </a:rPr>
-              <a:t>        …</a:t>
+              <a:t>         …</a:t>
             </a:r>
           </a:p>
           <a:p>
@@ -7126,21 +6979,8 @@
                   <a:schemeClr val="accent5"/>
                 </a:solidFill>
               </a:rPr>
-              <a:t> </a:t>
-            </a:r>
-            <a:r>
-              <a:rPr lang="en-AU" sz="1200" dirty="0" smtClean="0">
-                <a:solidFill>
-                  <a:schemeClr val="accent5"/>
-                </a:solidFill>
-              </a:rPr>
-              <a:t>        }</a:t>
-            </a:r>
-            <a:endParaRPr lang="en-AU" sz="1200" dirty="0">
-              <a:solidFill>
-                <a:schemeClr val="accent5"/>
-              </a:solidFill>
-            </a:endParaRPr>
+              <a:t>         }</a:t>
+            </a:r>
           </a:p>
           <a:p>
             <a:r>
@@ -7149,36 +6989,18 @@
                   <a:schemeClr val="accent5"/>
                 </a:solidFill>
               </a:rPr>
-              <a:t>    </a:t>
-            </a:r>
-            <a:r>
-              <a:rPr lang="en-AU" sz="1200" dirty="0" smtClean="0">
-                <a:solidFill>
-                  <a:schemeClr val="accent5"/>
-                </a:solidFill>
-              </a:rPr>
-              <a:t>}</a:t>
-            </a:r>
-            <a:endParaRPr lang="en-AU" sz="1200" dirty="0">
-              <a:solidFill>
-                <a:schemeClr val="accent5"/>
-              </a:solidFill>
-            </a:endParaRPr>
-          </a:p>
-          <a:p>
-            <a:r>
-              <a:rPr lang="en-AU" sz="1200" dirty="0" smtClean="0">
+              <a:t>    }</a:t>
+            </a:r>
+          </a:p>
+          <a:p>
+            <a:r>
+              <a:rPr lang="en-AU" sz="1200" dirty="0">
                 <a:solidFill>
                   <a:schemeClr val="accent5"/>
                 </a:solidFill>
               </a:rPr>
               <a:t>…  </a:t>
             </a:r>
-            <a:endParaRPr lang="en-AU" sz="1200" dirty="0">
-              <a:solidFill>
-                <a:schemeClr val="accent5"/>
-              </a:solidFill>
-            </a:endParaRPr>
           </a:p>
         </p:txBody>
       </p:sp>
@@ -7187,7 +7009,7 @@
           <p:cNvPr id="9" name="TextBox 8">
             <a:extLst>
               <a:ext uri="{FF2B5EF4-FFF2-40B4-BE49-F238E27FC236}">
-                <a16:creationId xmlns:a16="http://schemas.microsoft.com/office/drawing/2014/main" xmlns="" id="{29DA1C30-648A-3F41-AEDD-1FD35EDD9FCB}"/>
+                <a16:creationId xmlns:a16="http://schemas.microsoft.com/office/drawing/2014/main" id="{29DA1C30-648A-3F41-AEDD-1FD35EDD9FCB}"/>
               </a:ext>
             </a:extLst>
           </p:cNvPr>
@@ -7197,7 +7019,7 @@
         <p:spPr>
           <a:xfrm>
             <a:off x="3569917" y="2601007"/>
-            <a:ext cx="4536000" cy="2492990"/>
+            <a:ext cx="4536000" cy="2677656"/>
           </a:xfrm>
           <a:prstGeom prst="rect">
             <a:avLst/>
@@ -7211,7 +7033,7 @@
           <a:lstStyle/>
           <a:p>
             <a:r>
-              <a:rPr lang="en-AU" sz="1200" dirty="0" smtClean="0">
+              <a:rPr lang="en-AU" sz="1200" dirty="0">
                 <a:solidFill>
                   <a:schemeClr val="accent2"/>
                 </a:solidFill>
@@ -7246,21 +7068,8 @@
                   <a:schemeClr val="accent2"/>
                 </a:solidFill>
               </a:rPr>
-              <a:t>      "name": “</a:t>
-            </a:r>
-            <a:r>
-              <a:rPr lang="en-AU" sz="1200" dirty="0" smtClean="0">
-                <a:solidFill>
-                  <a:schemeClr val="accent2"/>
-                </a:solidFill>
-              </a:rPr>
-              <a:t>tides_quality-measures",</a:t>
-            </a:r>
-            <a:endParaRPr lang="en-AU" sz="1200" dirty="0">
-              <a:solidFill>
-                <a:schemeClr val="accent2"/>
-              </a:solidFill>
-            </a:endParaRPr>
+              <a:t>      "name": “tides_quality-measures",</a:t>
+            </a:r>
           </a:p>
           <a:p>
             <a:r>
@@ -7269,21 +7078,8 @@
                   <a:schemeClr val="accent2"/>
                 </a:solidFill>
               </a:rPr>
-              <a:t>      "path": </a:t>
-            </a:r>
-            <a:r>
-              <a:rPr lang="en-AU" sz="1200" dirty="0" smtClean="0">
-                <a:solidFill>
-                  <a:schemeClr val="accent2"/>
-                </a:solidFill>
-              </a:rPr>
-              <a:t>“tides_quality-measures.csv",</a:t>
-            </a:r>
-            <a:endParaRPr lang="en-AU" sz="1200" dirty="0">
-              <a:solidFill>
-                <a:schemeClr val="accent2"/>
-              </a:solidFill>
-            </a:endParaRPr>
+              <a:t>      "path": “tides_quality-measures.csv",</a:t>
+            </a:r>
           </a:p>
           <a:p>
             <a:r>
@@ -7297,7 +7093,17 @@
           </a:p>
           <a:p>
             <a:r>
-              <a:rPr lang="en-AU" sz="1200" dirty="0" smtClean="0">
+              <a:rPr lang="en-AU" sz="1200" dirty="0">
+                <a:solidFill>
+                  <a:schemeClr val="accent2"/>
+                </a:solidFill>
+              </a:rPr>
+              <a:t>      "schema ": "https://example.com/tableschema.json",</a:t>
+            </a:r>
+          </a:p>
+          <a:p>
+            <a:r>
+              <a:rPr lang="en-AU" sz="1200" dirty="0">
                 <a:solidFill>
                   <a:schemeClr val="accent2"/>
                 </a:solidFill>
@@ -7305,38 +7111,22 @@
               <a:t>      </a:t>
             </a:r>
             <a:r>
-              <a:rPr lang="en-AU" sz="1200" b="1" dirty="0" smtClean="0">
-                <a:solidFill>
-                  <a:schemeClr val="accent2"/>
-                </a:solidFill>
-              </a:rPr>
-              <a:t>"</a:t>
-            </a:r>
-            <a:r>
               <a:rPr lang="en-AU" sz="1200" b="1" dirty="0">
                 <a:solidFill>
                   <a:schemeClr val="accent2"/>
                 </a:solidFill>
               </a:rPr>
-              <a:t>quality": {</a:t>
-            </a:r>
-          </a:p>
-          <a:p>
-            <a:r>
-              <a:rPr lang="en-AU" sz="1200" b="1" dirty="0" smtClean="0">
-                <a:solidFill>
-                  <a:schemeClr val="accent2"/>
-                </a:solidFill>
-              </a:rPr>
-              <a:t>        "</a:t>
-            </a:r>
+              <a:t>"quality": {</a:t>
+            </a:r>
+          </a:p>
+          <a:p>
             <a:r>
               <a:rPr lang="en-AU" sz="1200" b="1" dirty="0">
                 <a:solidFill>
                   <a:schemeClr val="accent2"/>
                 </a:solidFill>
               </a:rPr>
-              <a:t>quality-profile": "</a:t>
+              <a:t>        "quality-profile": "</a:t>
             </a:r>
             <a:r>
               <a:rPr lang="en-AU" sz="1200" b="1" dirty="0">
@@ -7357,20 +7147,12 @@
           </a:p>
           <a:p>
             <a:r>
-              <a:rPr lang="en-AU" sz="1200" b="1" dirty="0" smtClean="0">
-                <a:solidFill>
-                  <a:schemeClr val="accent2"/>
-                </a:solidFill>
-              </a:rPr>
-              <a:t>          "</a:t>
-            </a:r>
-            <a:r>
               <a:rPr lang="en-AU" sz="1200" b="1" dirty="0">
                 <a:solidFill>
                   <a:schemeClr val="accent2"/>
                 </a:solidFill>
               </a:rPr>
-              <a:t>reference": {</a:t>
+              <a:t>          "reference": {</a:t>
             </a:r>
           </a:p>
           <a:p>
@@ -7380,15 +7162,15 @@
                   <a:schemeClr val="accent2"/>
                 </a:solidFill>
               </a:rPr>
-              <a:t> </a:t>
-            </a:r>
-            <a:r>
-              <a:rPr lang="en-AU" sz="1200" b="1" dirty="0" smtClean="0">
+              <a:t>            "resource": “</a:t>
+            </a:r>
+            <a:r>
+              <a:rPr lang="en-AU" sz="1200" b="1" dirty="0">
                 <a:solidFill>
-                  <a:schemeClr val="accent2"/>
+                  <a:schemeClr val="accent5"/>
                 </a:solidFill>
               </a:rPr>
-              <a:t>           </a:t>
+              <a:t>tides</a:t>
             </a:r>
             <a:r>
               <a:rPr lang="en-AU" sz="1200" b="1" dirty="0">
@@ -7396,37 +7178,8 @@
                   <a:schemeClr val="accent2"/>
                 </a:solidFill>
               </a:rPr>
-              <a:t>"resource": </a:t>
-            </a:r>
-            <a:r>
-              <a:rPr lang="en-AU" sz="1200" b="1" dirty="0" smtClean="0">
-                <a:solidFill>
-                  <a:schemeClr val="accent2"/>
-                </a:solidFill>
-              </a:rPr>
-              <a:t>“</a:t>
-            </a:r>
-            <a:r>
-              <a:rPr lang="en-AU" sz="1200" b="1" dirty="0" smtClean="0">
-                <a:solidFill>
-                  <a:schemeClr val="accent5"/>
-                </a:solidFill>
-              </a:rPr>
-              <a:t>tides</a:t>
-            </a:r>
-            <a:r>
-              <a:rPr lang="en-AU" sz="1200" b="1" dirty="0" smtClean="0">
-                <a:solidFill>
-                  <a:schemeClr val="accent2"/>
-                </a:solidFill>
-              </a:rPr>
               <a:t>"</a:t>
             </a:r>
-            <a:endParaRPr lang="en-AU" sz="1200" b="1" dirty="0">
-              <a:solidFill>
-                <a:schemeClr val="accent2"/>
-              </a:solidFill>
-            </a:endParaRPr>
           </a:p>
           <a:p>
             <a:r>
@@ -7435,15 +7188,7 @@
                   <a:schemeClr val="accent2"/>
                 </a:solidFill>
               </a:rPr>
-              <a:t>      </a:t>
-            </a:r>
-            <a:r>
-              <a:rPr lang="en-AU" sz="1200" b="1" dirty="0" smtClean="0">
-                <a:solidFill>
-                  <a:schemeClr val="accent2"/>
-                </a:solidFill>
-              </a:rPr>
-              <a:t>      }</a:t>
+              <a:t>            }</a:t>
             </a:r>
           </a:p>
           <a:p>
@@ -7453,31 +7198,18 @@
                   <a:schemeClr val="accent2"/>
                 </a:solidFill>
               </a:rPr>
-              <a:t> </a:t>
-            </a:r>
-            <a:r>
-              <a:rPr lang="en-AU" sz="1200" dirty="0" smtClean="0">
-                <a:solidFill>
-                  <a:schemeClr val="accent2"/>
-                </a:solidFill>
-              </a:rPr>
-              <a:t>    }</a:t>
-            </a:r>
-          </a:p>
-          <a:p>
-            <a:r>
-              <a:rPr lang="en-AU" sz="1200" dirty="0" smtClean="0">
+              <a:t>     }</a:t>
+            </a:r>
+          </a:p>
+          <a:p>
+            <a:r>
+              <a:rPr lang="en-AU" sz="1200" dirty="0">
                 <a:solidFill>
                   <a:schemeClr val="accent2"/>
                 </a:solidFill>
               </a:rPr>
               <a:t>…</a:t>
             </a:r>
-            <a:endParaRPr lang="en-AU" sz="1200" dirty="0" smtClean="0">
-              <a:solidFill>
-                <a:schemeClr val="accent2"/>
-              </a:solidFill>
-            </a:endParaRPr>
           </a:p>
         </p:txBody>
       </p:sp>
@@ -7486,7 +7218,7 @@
           <p:cNvPr id="22" name="TextBox 21">
             <a:extLst>
               <a:ext uri="{FF2B5EF4-FFF2-40B4-BE49-F238E27FC236}">
-                <a16:creationId xmlns:a16="http://schemas.microsoft.com/office/drawing/2014/main" xmlns="" id="{29DA1C30-648A-3F41-AEDD-1FD35EDD9FCB}"/>
+                <a16:creationId xmlns:a16="http://schemas.microsoft.com/office/drawing/2014/main" id="{29DA1C30-648A-3F41-AEDD-1FD35EDD9FCB}"/>
               </a:ext>
             </a:extLst>
           </p:cNvPr>
@@ -7510,7 +7242,7 @@
           <a:lstStyle/>
           <a:p>
             <a:r>
-              <a:rPr lang="en-AU" sz="1200" dirty="0" smtClean="0">
+              <a:rPr lang="en-AU" sz="1200" dirty="0">
                 <a:solidFill>
                   <a:schemeClr val="tx1">
                     <a:lumMod val="95000"/>
@@ -7522,7 +7254,7 @@
             </a:r>
           </a:p>
           <a:p>
-            <a:endParaRPr lang="en-AU" sz="1200" dirty="0" smtClean="0">
+            <a:endParaRPr lang="en-AU" sz="1200" dirty="0">
               <a:solidFill>
                 <a:schemeClr val="tx1">
                   <a:lumMod val="95000"/>
@@ -7586,35 +7318,10 @@
                   </a:schemeClr>
                 </a:solidFill>
               </a:rPr>
-              <a:t>    "table_schema_path": "https</a:t>
-            </a:r>
-            <a:r>
-              <a:rPr lang="en-AU" sz="1200" dirty="0" smtClean="0">
-                <a:solidFill>
-                  <a:schemeClr val="tx1">
-                    <a:lumMod val="95000"/>
-                    <a:lumOff val="5000"/>
-                  </a:schemeClr>
-                </a:solidFill>
-              </a:rPr>
-              <a:t>://example.com/</a:t>
-            </a:r>
-            <a:r>
-              <a:rPr lang="en-AU" sz="1200" dirty="0" smtClean="0">
-                <a:solidFill>
-                  <a:schemeClr val="accent2"/>
-                </a:solidFill>
-              </a:rPr>
-              <a:t>tabular/</a:t>
-            </a:r>
-            <a:r>
-              <a:rPr lang="en-AU" sz="1200" dirty="0" err="1" smtClean="0">
-                <a:solidFill>
-                  <a:schemeClr val="accent2"/>
-                </a:solidFill>
-              </a:rPr>
-              <a:t>tableschema.json</a:t>
-            </a:r>
+              <a:t>    "table_schema_path": "https://registry.com/tabular/tableschema.json",</a:t>
+            </a:r>
+          </a:p>
+          <a:p>
             <a:r>
               <a:rPr lang="en-AU" sz="1200" dirty="0">
                 <a:solidFill>
@@ -7624,51 +7331,8 @@
                   </a:schemeClr>
                 </a:solidFill>
               </a:rPr>
-              <a:t>",</a:t>
-            </a:r>
-          </a:p>
-          <a:p>
-            <a:r>
-              <a:rPr lang="en-AU" sz="1200" dirty="0">
-                <a:solidFill>
-                  <a:schemeClr val="tx1">
-                    <a:lumMod val="95000"/>
-                    <a:lumOff val="5000"/>
-                  </a:schemeClr>
-                </a:solidFill>
-              </a:rPr>
-              <a:t>    "specification": "https://frictionlessdata.io/specs/patterns</a:t>
-            </a:r>
-            <a:r>
-              <a:rPr lang="en-AU" sz="1200" dirty="0" smtClean="0">
-                <a:solidFill>
-                  <a:schemeClr val="tx1">
-                    <a:lumMod val="95000"/>
-                    <a:lumOff val="5000"/>
-                  </a:schemeClr>
-                </a:solidFill>
-              </a:rPr>
-              <a:t>/#data-quality-profile.md</a:t>
-            </a:r>
-            <a:r>
-              <a:rPr lang="en-AU" sz="1200" dirty="0">
-                <a:solidFill>
-                  <a:schemeClr val="tx1">
-                    <a:lumMod val="95000"/>
-                    <a:lumOff val="5000"/>
-                  </a:schemeClr>
-                </a:solidFill>
-              </a:rPr>
-              <a:t>"</a:t>
-            </a:r>
-            <a:endParaRPr lang="en-AU" sz="1200" dirty="0" smtClean="0">
-              <a:solidFill>
-                <a:schemeClr val="tx1">
-                  <a:lumMod val="95000"/>
-                  <a:lumOff val="5000"/>
-                </a:schemeClr>
-              </a:solidFill>
-            </a:endParaRPr>
+              <a:t>    "specification": "https://frictionlessdata.io/specs/patterns/#data-quality-profile.md"</a:t>
+            </a:r>
           </a:p>
         </p:txBody>
       </p:sp>
@@ -7677,7 +7341,7 @@
           <p:cNvPr id="23" name="TextBox 22">
             <a:extLst>
               <a:ext uri="{FF2B5EF4-FFF2-40B4-BE49-F238E27FC236}">
-                <a16:creationId xmlns:a16="http://schemas.microsoft.com/office/drawing/2014/main" xmlns="" id="{6A57C551-09BE-4940-B514-E145B463FECC}"/>
+                <a16:creationId xmlns:a16="http://schemas.microsoft.com/office/drawing/2014/main" id="{6A57C551-09BE-4940-B514-E145B463FECC}"/>
               </a:ext>
             </a:extLst>
           </p:cNvPr>
@@ -7701,18 +7365,13 @@
           <a:lstStyle/>
           <a:p>
             <a:r>
-              <a:rPr lang="en-AU" sz="1600" dirty="0" smtClean="0">
+              <a:rPr lang="en-AU" sz="1600" dirty="0">
                 <a:solidFill>
                   <a:schemeClr val="accent5"/>
                 </a:solidFill>
               </a:rPr>
               <a:t>tides.csv</a:t>
             </a:r>
-            <a:endParaRPr lang="en-AU" sz="1600" dirty="0">
-              <a:solidFill>
-                <a:schemeClr val="accent5"/>
-              </a:solidFill>
-            </a:endParaRPr>
           </a:p>
         </p:txBody>
       </p:sp>
@@ -7721,7 +7380,7 @@
           <p:cNvPr id="24" name="TextBox 23">
             <a:extLst>
               <a:ext uri="{FF2B5EF4-FFF2-40B4-BE49-F238E27FC236}">
-                <a16:creationId xmlns:a16="http://schemas.microsoft.com/office/drawing/2014/main" xmlns="" id="{6A57C551-09BE-4940-B514-E145B463FECC}"/>
+                <a16:creationId xmlns:a16="http://schemas.microsoft.com/office/drawing/2014/main" id="{6A57C551-09BE-4940-B514-E145B463FECC}"/>
               </a:ext>
             </a:extLst>
           </p:cNvPr>
@@ -7750,21 +7409,8 @@
                   <a:schemeClr val="accent2"/>
                 </a:solidFill>
               </a:rPr>
-              <a:t>t</a:t>
-            </a:r>
-            <a:r>
-              <a:rPr lang="en-AU" sz="1600" dirty="0" smtClean="0">
-                <a:solidFill>
-                  <a:schemeClr val="accent2"/>
-                </a:solidFill>
-              </a:rPr>
-              <a:t>ides_quality-measures.csv</a:t>
-            </a:r>
-            <a:endParaRPr lang="en-AU" sz="1600" dirty="0">
-              <a:solidFill>
-                <a:schemeClr val="accent2"/>
-              </a:solidFill>
-            </a:endParaRPr>
+              <a:t>tides_quality-measures.csv</a:t>
+            </a:r>
           </a:p>
         </p:txBody>
       </p:sp>
@@ -7773,7 +7419,7 @@
           <p:cNvPr id="25" name="TextBox 24">
             <a:extLst>
               <a:ext uri="{FF2B5EF4-FFF2-40B4-BE49-F238E27FC236}">
-                <a16:creationId xmlns:a16="http://schemas.microsoft.com/office/drawing/2014/main" xmlns="" id="{6A57C551-09BE-4940-B514-E145B463FECC}"/>
+                <a16:creationId xmlns:a16="http://schemas.microsoft.com/office/drawing/2014/main" id="{6A57C551-09BE-4940-B514-E145B463FECC}"/>
               </a:ext>
             </a:extLst>
           </p:cNvPr>
@@ -7797,18 +7443,13 @@
           <a:lstStyle/>
           <a:p>
             <a:r>
-              <a:rPr lang="en-AU" sz="1600" dirty="0" smtClean="0">
+              <a:rPr lang="en-AU" sz="1600" dirty="0">
                 <a:solidFill>
                   <a:schemeClr val="accent6"/>
                 </a:solidFill>
               </a:rPr>
               <a:t>metrics.csv</a:t>
             </a:r>
-            <a:endParaRPr lang="en-AU" sz="1600" dirty="0">
-              <a:solidFill>
-                <a:schemeClr val="accent6"/>
-              </a:solidFill>
-            </a:endParaRPr>
           </a:p>
         </p:txBody>
       </p:sp>
@@ -7820,13 +7461,13 @@
         </p:nvSpPr>
         <p:spPr>
           <a:xfrm rot="5400000">
-            <a:off x="5395479" y="2243569"/>
-            <a:ext cx="5658440" cy="2657201"/>
+            <a:off x="5656745" y="-15962"/>
+            <a:ext cx="2731327" cy="4995815"/>
           </a:xfrm>
           <a:prstGeom prst="arc">
             <a:avLst>
-              <a:gd name="adj1" fmla="val 13687565"/>
-              <a:gd name="adj2" fmla="val 0"/>
+              <a:gd name="adj1" fmla="val 16151351"/>
+              <a:gd name="adj2" fmla="val 20765666"/>
             </a:avLst>
           </a:prstGeom>
           <a:solidFill>
@@ -7852,83 +7493,67 @@
           <a:lstStyle/>
           <a:p>
             <a:r>
-              <a:rPr lang="en-AU" sz="1200" dirty="0" smtClean="0">
+              <a:rPr lang="en-AU" sz="1200" dirty="0">
                 <a:solidFill>
                   <a:schemeClr val="accent6"/>
                 </a:solidFill>
               </a:rPr>
-              <a:t>Includes a foreign key relationship to the metrics data package using the </a:t>
-            </a:r>
-          </a:p>
-          <a:p>
-            <a:r>
-              <a:rPr lang="en-AU" sz="1200" dirty="0" smtClean="0">
+              <a:t>Includes a foreign key relationship to the metrics </a:t>
+            </a:r>
+          </a:p>
+          <a:p>
+            <a:r>
+              <a:rPr lang="en-AU" sz="1200" dirty="0">
+                <a:solidFill>
+                  <a:schemeClr val="accent6"/>
+                </a:solidFill>
+              </a:rPr>
+              <a:t>data package using the </a:t>
+            </a:r>
+          </a:p>
+          <a:p>
+            <a:r>
+              <a:rPr lang="en-AU" sz="1200" dirty="0">
                 <a:solidFill>
                   <a:schemeClr val="accent6"/>
                 </a:solidFill>
               </a:rPr>
               <a:t>metric-name field </a:t>
             </a:r>
-            <a:endParaRPr lang="en-AU" sz="1200" dirty="0">
-              <a:solidFill>
-                <a:schemeClr val="accent6"/>
-              </a:solidFill>
-            </a:endParaRPr>
           </a:p>
         </p:txBody>
       </p:sp>
       <p:sp>
         <p:nvSpPr>
-          <p:cNvPr id="28" name="Freeform 27"/>
+          <p:cNvPr id="13" name="Arc 12">
+            <a:extLst>
+              <a:ext uri="{FF2B5EF4-FFF2-40B4-BE49-F238E27FC236}">
+                <a16:creationId xmlns:a16="http://schemas.microsoft.com/office/drawing/2014/main" id="{0E7ACDB3-A3C8-EF47-94DF-E466CB5AF3AD}"/>
+              </a:ext>
+            </a:extLst>
+          </p:cNvPr>
           <p:cNvSpPr/>
           <p:nvPr/>
         </p:nvSpPr>
         <p:spPr>
-          <a:xfrm>
-            <a:off x="5553075" y="2457450"/>
-            <a:ext cx="3914775" cy="292970"/>
+          <a:xfrm rot="5400000">
+            <a:off x="5563841" y="2463882"/>
+            <a:ext cx="2493814" cy="5261268"/>
           </a:xfrm>
-          <a:custGeom>
-            <a:avLst/>
-            <a:gdLst>
-              <a:gd name="connsiteX0" fmla="*/ 0 w 3914775"/>
-              <a:gd name="connsiteY0" fmla="*/ 0 h 647714"/>
-              <a:gd name="connsiteX1" fmla="*/ 3314700 w 3914775"/>
-              <a:gd name="connsiteY1" fmla="*/ 647700 h 647714"/>
-              <a:gd name="connsiteX2" fmla="*/ 3914775 w 3914775"/>
-              <a:gd name="connsiteY2" fmla="*/ 19050 h 647714"/>
-            </a:gdLst>
-            <a:ahLst/>
-            <a:cxnLst>
-              <a:cxn ang="0">
-                <a:pos x="connsiteX0" y="connsiteY0"/>
-              </a:cxn>
-              <a:cxn ang="0">
-                <a:pos x="connsiteX1" y="connsiteY1"/>
-              </a:cxn>
-              <a:cxn ang="0">
-                <a:pos x="connsiteX2" y="connsiteY2"/>
-              </a:cxn>
-            </a:cxnLst>
-            <a:rect l="l" t="t" r="r" b="b"/>
-            <a:pathLst>
-              <a:path w="3914775" h="647714">
-                <a:moveTo>
-                  <a:pt x="0" y="0"/>
-                </a:moveTo>
-                <a:cubicBezTo>
-                  <a:pt x="1331119" y="322262"/>
-                  <a:pt x="2662238" y="644525"/>
-                  <a:pt x="3314700" y="647700"/>
-                </a:cubicBezTo>
-                <a:cubicBezTo>
-                  <a:pt x="3967162" y="650875"/>
-                  <a:pt x="3802063" y="114300"/>
-                  <a:pt x="3914775" y="19050"/>
-                </a:cubicBezTo>
-              </a:path>
-            </a:pathLst>
-          </a:custGeom>
+          <a:prstGeom prst="arc">
+            <a:avLst>
+              <a:gd name="adj1" fmla="val 12020634"/>
+              <a:gd name="adj2" fmla="val 20765666"/>
+            </a:avLst>
+          </a:prstGeom>
+          <a:solidFill>
+            <a:schemeClr val="bg1"/>
+          </a:solidFill>
+          <a:ln>
+            <a:solidFill>
+              <a:srgbClr val="7030A0"/>
+            </a:solidFill>
+          </a:ln>
         </p:spPr>
         <p:style>
           <a:lnRef idx="1">
@@ -7945,11 +7570,17 @@
           </a:fontRef>
         </p:style>
         <p:txBody>
-          <a:bodyPr rtlCol="0" anchor="ctr"/>
+          <a:bodyPr vert="vert270" wrap="square" lIns="0" rIns="0" rtlCol="0" anchor="ctr"/>
           <a:lstStyle/>
           <a:p>
-            <a:pPr algn="ctr"/>
-            <a:endParaRPr lang="en-AU"/>
+            <a:r>
+              <a:rPr lang="en-AU" sz="1200" dirty="0">
+                <a:solidFill>
+                  <a:srgbClr val="7030A0"/>
+                </a:solidFill>
+              </a:rPr>
+              <a:t>Validates the table schema to ensure it includes the correct fields and foreign key to the metrics table</a:t>
+            </a:r>
           </a:p>
         </p:txBody>
       </p:sp>
